--- a/นิเทศก์/Ready/Poc1_รวม_ข้อมูลทั่วไป.pptx
+++ b/นิเทศก์/Ready/Poc1_รวม_ข้อมูลทั่วไป.pptx
@@ -5,10 +5,11 @@
     <p:sldMasterId id="2147483648" r:id="rId1"/>
   </p:sldMasterIdLst>
   <p:notesMasterIdLst>
-    <p:notesMasterId r:id="rId3"/>
+    <p:notesMasterId r:id="rId4"/>
   </p:notesMasterIdLst>
   <p:sldIdLst>
-    <p:sldId id="259" r:id="rId2"/>
+    <p:sldId id="256" r:id="rId2"/>
+    <p:sldId id="259" r:id="rId3"/>
   </p:sldIdLst>
   <p:sldSz cx="12192000" cy="6858000"/>
   <p:notesSz cx="6858000" cy="9144000"/>
@@ -197,7 +198,7 @@
           <a:p>
             <a:fld id="{ACA5C891-8222-4BC9-A352-DF3A902C8F1A}" type="datetimeFigureOut">
               <a:rPr lang="en-US" smtClean="0"/>
-              <a:t>2/25/2019</a:t>
+              <a:t>2/26/2019</a:t>
             </a:fld>
             <a:endParaRPr lang="en-US"/>
           </a:p>
@@ -611,7 +612,7 @@
           <a:p>
             <a:fld id="{0CE2965B-A7A9-4CA3-8CB1-846106183120}" type="datetimeFigureOut">
               <a:rPr lang="en-US" smtClean="0"/>
-              <a:t>2/25/2019</a:t>
+              <a:t>2/26/2019</a:t>
             </a:fld>
             <a:endParaRPr lang="en-US"/>
           </a:p>
@@ -809,7 +810,7 @@
           <a:p>
             <a:fld id="{0CE2965B-A7A9-4CA3-8CB1-846106183120}" type="datetimeFigureOut">
               <a:rPr lang="en-US" smtClean="0"/>
-              <a:t>2/25/2019</a:t>
+              <a:t>2/26/2019</a:t>
             </a:fld>
             <a:endParaRPr lang="en-US"/>
           </a:p>
@@ -1017,7 +1018,7 @@
           <a:p>
             <a:fld id="{0CE2965B-A7A9-4CA3-8CB1-846106183120}" type="datetimeFigureOut">
               <a:rPr lang="en-US" smtClean="0"/>
-              <a:t>2/25/2019</a:t>
+              <a:t>2/26/2019</a:t>
             </a:fld>
             <a:endParaRPr lang="en-US"/>
           </a:p>
@@ -1215,7 +1216,7 @@
           <a:p>
             <a:fld id="{0CE2965B-A7A9-4CA3-8CB1-846106183120}" type="datetimeFigureOut">
               <a:rPr lang="en-US" smtClean="0"/>
-              <a:t>2/25/2019</a:t>
+              <a:t>2/26/2019</a:t>
             </a:fld>
             <a:endParaRPr lang="en-US"/>
           </a:p>
@@ -1490,7 +1491,7 @@
           <a:p>
             <a:fld id="{0CE2965B-A7A9-4CA3-8CB1-846106183120}" type="datetimeFigureOut">
               <a:rPr lang="en-US" smtClean="0"/>
-              <a:t>2/25/2019</a:t>
+              <a:t>2/26/2019</a:t>
             </a:fld>
             <a:endParaRPr lang="en-US"/>
           </a:p>
@@ -1755,7 +1756,7 @@
           <a:p>
             <a:fld id="{0CE2965B-A7A9-4CA3-8CB1-846106183120}" type="datetimeFigureOut">
               <a:rPr lang="en-US" smtClean="0"/>
-              <a:t>2/25/2019</a:t>
+              <a:t>2/26/2019</a:t>
             </a:fld>
             <a:endParaRPr lang="en-US"/>
           </a:p>
@@ -2167,7 +2168,7 @@
           <a:p>
             <a:fld id="{0CE2965B-A7A9-4CA3-8CB1-846106183120}" type="datetimeFigureOut">
               <a:rPr lang="en-US" smtClean="0"/>
-              <a:t>2/25/2019</a:t>
+              <a:t>2/26/2019</a:t>
             </a:fld>
             <a:endParaRPr lang="en-US"/>
           </a:p>
@@ -2308,7 +2309,7 @@
           <a:p>
             <a:fld id="{0CE2965B-A7A9-4CA3-8CB1-846106183120}" type="datetimeFigureOut">
               <a:rPr lang="en-US" smtClean="0"/>
-              <a:t>2/25/2019</a:t>
+              <a:t>2/26/2019</a:t>
             </a:fld>
             <a:endParaRPr lang="en-US"/>
           </a:p>
@@ -2421,7 +2422,7 @@
           <a:p>
             <a:fld id="{0CE2965B-A7A9-4CA3-8CB1-846106183120}" type="datetimeFigureOut">
               <a:rPr lang="en-US" smtClean="0"/>
-              <a:t>2/25/2019</a:t>
+              <a:t>2/26/2019</a:t>
             </a:fld>
             <a:endParaRPr lang="en-US"/>
           </a:p>
@@ -2732,7 +2733,7 @@
           <a:p>
             <a:fld id="{0CE2965B-A7A9-4CA3-8CB1-846106183120}" type="datetimeFigureOut">
               <a:rPr lang="en-US" smtClean="0"/>
-              <a:t>2/25/2019</a:t>
+              <a:t>2/26/2019</a:t>
             </a:fld>
             <a:endParaRPr lang="en-US"/>
           </a:p>
@@ -3020,7 +3021,7 @@
           <a:p>
             <a:fld id="{0CE2965B-A7A9-4CA3-8CB1-846106183120}" type="datetimeFigureOut">
               <a:rPr lang="en-US" smtClean="0"/>
-              <a:t>2/25/2019</a:t>
+              <a:t>2/26/2019</a:t>
             </a:fld>
             <a:endParaRPr lang="en-US"/>
           </a:p>
@@ -3261,7 +3262,7 @@
           <a:p>
             <a:fld id="{0CE2965B-A7A9-4CA3-8CB1-846106183120}" type="datetimeFigureOut">
               <a:rPr lang="en-US" smtClean="0"/>
-              <a:t>2/25/2019</a:t>
+              <a:t>2/26/2019</a:t>
             </a:fld>
             <a:endParaRPr lang="en-US"/>
           </a:p>
@@ -3680,10 +3681,10 @@
       </p:grpSpPr>
       <p:pic>
         <p:nvPicPr>
-          <p:cNvPr id="30" name="Picture 2" descr="à¸à¸¥à¸à¸²à¸£à¸à¹à¸à¸«à¸²à¸£à¸¹à¸à¸ à¸²à¸à¸ªà¸³à¸«à¸£à¸±à¸ à¸«à¸à¸­à¸à¹à¸«à¸à¹à¸à¸¸à¸¡à¸à¸£">
+          <p:cNvPr id="4" name="Picture 2" descr="à¸à¸¥à¸à¸²à¸£à¸à¹à¸à¸«à¸²à¸£à¸¹à¸à¸ à¸²à¸à¸ªà¸³à¸«à¸£à¸±à¸ à¸«à¸à¸­à¸à¹à¸«à¸à¹à¸à¸¸à¸¡à¸à¸£">
             <a:extLst>
               <a:ext uri="{FF2B5EF4-FFF2-40B4-BE49-F238E27FC236}">
-                <a16:creationId xmlns:a16="http://schemas.microsoft.com/office/drawing/2014/main" id="{9DB87D58-D803-4F3A-B83A-A7A49856F5C1}"/>
+                <a16:creationId xmlns:a16="http://schemas.microsoft.com/office/drawing/2014/main" id="{155D009A-1B60-4A47-9D87-445E281DFC08}"/>
               </a:ext>
             </a:extLst>
           </p:cNvPr>
@@ -3719,12 +3720,42 @@
           </a:effectLst>
         </p:spPr>
       </p:pic>
+      <p:pic>
+        <p:nvPicPr>
+          <p:cNvPr id="5" name="Picture 4">
+            <a:extLst>
+              <a:ext uri="{FF2B5EF4-FFF2-40B4-BE49-F238E27FC236}">
+                <a16:creationId xmlns:a16="http://schemas.microsoft.com/office/drawing/2014/main" id="{F8B25FB0-22F1-4091-9974-0C523195351B}"/>
+              </a:ext>
+            </a:extLst>
+          </p:cNvPr>
+          <p:cNvPicPr>
+            <a:picLocks noChangeAspect="1"/>
+          </p:cNvPicPr>
+          <p:nvPr/>
+        </p:nvPicPr>
+        <p:blipFill>
+          <a:blip r:embed="rId3"/>
+          <a:stretch>
+            <a:fillRect/>
+          </a:stretch>
+        </p:blipFill>
+        <p:spPr>
+          <a:xfrm>
+            <a:off x="11077157" y="61971"/>
+            <a:ext cx="1010943" cy="1010943"/>
+          </a:xfrm>
+          <a:prstGeom prst="rect">
+            <a:avLst/>
+          </a:prstGeom>
+        </p:spPr>
+      </p:pic>
       <p:sp>
         <p:nvSpPr>
-          <p:cNvPr id="41" name="สี่เหลี่ยมผืนผ้า 8">
+          <p:cNvPr id="8" name="สี่เหลี่ยมผืนผ้า 8">
             <a:extLst>
               <a:ext uri="{FF2B5EF4-FFF2-40B4-BE49-F238E27FC236}">
-                <a16:creationId xmlns:a16="http://schemas.microsoft.com/office/drawing/2014/main" id="{45377A23-0423-4855-B3B7-A4F506FBED1B}"/>
+                <a16:creationId xmlns:a16="http://schemas.microsoft.com/office/drawing/2014/main" id="{62CA41B2-A72B-46F0-912B-8E02E3F9416F}"/>
               </a:ext>
             </a:extLst>
           </p:cNvPr>
@@ -3733,18 +3764,13 @@
         </p:nvSpPr>
         <p:spPr>
           <a:xfrm>
-            <a:off x="1879528" y="1640398"/>
-            <a:ext cx="6069650" cy="1754326"/>
+            <a:off x="6272965" y="1350490"/>
+            <a:ext cx="6166913" cy="2492990"/>
           </a:xfrm>
           <a:prstGeom prst="rect">
             <a:avLst/>
           </a:prstGeom>
-          <a:solidFill>
-            <a:schemeClr val="bg1">
-              <a:lumMod val="95000"/>
-              <a:alpha val="40000"/>
-            </a:schemeClr>
-          </a:solidFill>
+          <a:noFill/>
         </p:spPr>
         <p:txBody>
           <a:bodyPr wrap="square">
@@ -3768,7 +3794,7 @@
           <a:p>
             <a:pPr algn="ctr"/>
             <a:r>
-              <a:rPr lang="th-TH" sz="4400" b="1" spc="50" dirty="0">
+              <a:rPr lang="th-TH" sz="4800" b="1" spc="50" dirty="0">
                 <a:ln w="11430">
                   <a:solidFill>
                     <a:srgbClr val="FF0000"/>
@@ -3789,7 +3815,10 @@
               </a:rPr>
               <a:t>วิสัยทัศน์จังหวัดชุมพร</a:t>
             </a:r>
-            <a:endParaRPr lang="en-US" sz="3200" b="1" spc="50" dirty="0">
+          </a:p>
+          <a:p>
+            <a:pPr algn="ctr"/>
+            <a:endParaRPr lang="en-US" sz="3600" b="1" spc="50" dirty="0">
               <a:ln w="11430">
                 <a:solidFill>
                   <a:srgbClr val="FF0000"/>
@@ -3812,7 +3841,7 @@
           <a:p>
             <a:pPr algn="ctr"/>
             <a:r>
-              <a:rPr lang="th-TH" sz="3200" b="1" spc="50" dirty="0">
+              <a:rPr lang="th-TH" sz="3600" b="1" spc="50" dirty="0">
                 <a:ln w="11430">
                   <a:solidFill>
                     <a:srgbClr val="FF0000"/>
@@ -3837,7 +3866,7 @@
           <a:p>
             <a:pPr algn="ctr"/>
             <a:r>
-              <a:rPr lang="th-TH" sz="3200" b="1" spc="50" dirty="0">
+              <a:rPr lang="th-TH" sz="3600" b="1" spc="50" dirty="0">
                 <a:ln w="11430">
                   <a:solidFill>
                     <a:srgbClr val="FF0000"/>
@@ -3859,7 +3888,7 @@
               <a:t>เกษตรกรรมยั่งยืน  การท่องเที่ยวคุณภาพ</a:t>
             </a:r>
             <a:r>
-              <a:rPr lang="th-TH" sz="3200" b="1" spc="50" dirty="0">
+              <a:rPr lang="th-TH" sz="3600" b="1" spc="50" dirty="0">
                 <a:ln w="11430"/>
                 <a:solidFill>
                   <a:srgbClr val="FF0000"/>
@@ -3876,7 +3905,7 @@
               </a:rPr>
               <a:t>”</a:t>
             </a:r>
-            <a:endParaRPr lang="en-US" sz="3200" b="1" spc="50" dirty="0">
+            <a:endParaRPr lang="en-US" sz="3600" b="1" spc="50" dirty="0">
               <a:ln w="11430"/>
               <a:solidFill>
                 <a:srgbClr val="FF0000"/>
@@ -3894,6 +3923,1248 @@
           </a:p>
         </p:txBody>
       </p:sp>
+      <p:sp>
+        <p:nvSpPr>
+          <p:cNvPr id="9" name="Subtitle 2">
+            <a:extLst>
+              <a:ext uri="{FF2B5EF4-FFF2-40B4-BE49-F238E27FC236}">
+                <a16:creationId xmlns:a16="http://schemas.microsoft.com/office/drawing/2014/main" id="{16F002C1-D0E2-427D-BD4D-1A6F7B3AB018}"/>
+              </a:ext>
+            </a:extLst>
+          </p:cNvPr>
+          <p:cNvSpPr txBox="1">
+            <a:spLocks/>
+          </p:cNvSpPr>
+          <p:nvPr/>
+        </p:nvSpPr>
+        <p:spPr>
+          <a:xfrm>
+            <a:off x="4047" y="-60412"/>
+            <a:ext cx="12200192" cy="1189416"/>
+          </a:xfrm>
+          <a:prstGeom prst="rect">
+            <a:avLst/>
+          </a:prstGeom>
+          <a:gradFill>
+            <a:gsLst>
+              <a:gs pos="0">
+                <a:srgbClr val="92FF70"/>
+              </a:gs>
+              <a:gs pos="50000">
+                <a:srgbClr val="C2FFB0"/>
+              </a:gs>
+              <a:gs pos="100000">
+                <a:srgbClr val="93FF73"/>
+              </a:gs>
+            </a:gsLst>
+          </a:gradFill>
+          <a:ln>
+            <a:noFill/>
+          </a:ln>
+        </p:spPr>
+        <p:style>
+          <a:lnRef idx="1">
+            <a:schemeClr val="accent6"/>
+          </a:lnRef>
+          <a:fillRef idx="2">
+            <a:schemeClr val="accent6"/>
+          </a:fillRef>
+          <a:effectRef idx="1">
+            <a:schemeClr val="accent6"/>
+          </a:effectRef>
+          <a:fontRef idx="minor">
+            <a:schemeClr val="dk1"/>
+          </a:fontRef>
+        </p:style>
+        <p:txBody>
+          <a:bodyPr vert="horz" lIns="91440" tIns="91440" rIns="91440" bIns="91440" rtlCol="0" anchor="ctr">
+            <a:noAutofit/>
+          </a:bodyPr>
+          <a:lstStyle>
+            <a:lvl1pPr marL="228600" indent="-228600" algn="l" defTabSz="914400" rtl="0" eaLnBrk="1" latinLnBrk="0" hangingPunct="1">
+              <a:lnSpc>
+                <a:spcPct val="120000"/>
+              </a:lnSpc>
+              <a:spcBef>
+                <a:spcPts val="1000"/>
+              </a:spcBef>
+              <a:buSzPct val="125000"/>
+              <a:buFont typeface="Arial" panose="020B0604020202020204" pitchFamily="34" charset="0"/>
+              <a:buChar char="•"/>
+              <a:defRPr sz="2400" kern="1200">
+                <a:solidFill>
+                  <a:schemeClr val="tx1"/>
+                </a:solidFill>
+                <a:latin typeface="+mn-lt"/>
+                <a:ea typeface="+mn-ea"/>
+                <a:cs typeface="+mn-cs"/>
+              </a:defRPr>
+            </a:lvl1pPr>
+            <a:lvl2pPr marL="685800" indent="-228600" algn="l" defTabSz="914400" rtl="0" eaLnBrk="1" latinLnBrk="0" hangingPunct="1">
+              <a:lnSpc>
+                <a:spcPct val="120000"/>
+              </a:lnSpc>
+              <a:spcBef>
+                <a:spcPts val="500"/>
+              </a:spcBef>
+              <a:buSzPct val="125000"/>
+              <a:buFont typeface="Arial" panose="020B0604020202020204" pitchFamily="34" charset="0"/>
+              <a:buChar char="•"/>
+              <a:defRPr sz="2000" kern="1200">
+                <a:solidFill>
+                  <a:schemeClr val="tx1"/>
+                </a:solidFill>
+                <a:latin typeface="+mn-lt"/>
+                <a:ea typeface="+mn-ea"/>
+                <a:cs typeface="+mn-cs"/>
+              </a:defRPr>
+            </a:lvl2pPr>
+            <a:lvl3pPr marL="1143000" indent="-228600" algn="l" defTabSz="914400" rtl="0" eaLnBrk="1" latinLnBrk="0" hangingPunct="1">
+              <a:lnSpc>
+                <a:spcPct val="120000"/>
+              </a:lnSpc>
+              <a:spcBef>
+                <a:spcPts val="500"/>
+              </a:spcBef>
+              <a:buSzPct val="125000"/>
+              <a:buFont typeface="Arial" panose="020B0604020202020204" pitchFamily="34" charset="0"/>
+              <a:buChar char="•"/>
+              <a:defRPr sz="1800" kern="1200">
+                <a:solidFill>
+                  <a:schemeClr val="tx1"/>
+                </a:solidFill>
+                <a:latin typeface="+mn-lt"/>
+                <a:ea typeface="+mn-ea"/>
+                <a:cs typeface="+mn-cs"/>
+              </a:defRPr>
+            </a:lvl3pPr>
+            <a:lvl4pPr marL="1600200" indent="-228600" algn="l" defTabSz="914400" rtl="0" eaLnBrk="1" latinLnBrk="0" hangingPunct="1">
+              <a:lnSpc>
+                <a:spcPct val="120000"/>
+              </a:lnSpc>
+              <a:spcBef>
+                <a:spcPts val="500"/>
+              </a:spcBef>
+              <a:buSzPct val="125000"/>
+              <a:buFont typeface="Arial" panose="020B0604020202020204" pitchFamily="34" charset="0"/>
+              <a:buChar char="•"/>
+              <a:defRPr sz="1600" kern="1200">
+                <a:solidFill>
+                  <a:schemeClr val="tx1"/>
+                </a:solidFill>
+                <a:latin typeface="+mn-lt"/>
+                <a:ea typeface="+mn-ea"/>
+                <a:cs typeface="+mn-cs"/>
+              </a:defRPr>
+            </a:lvl4pPr>
+            <a:lvl5pPr marL="2057400" indent="-228600" algn="l" defTabSz="914400" rtl="0" eaLnBrk="1" latinLnBrk="0" hangingPunct="1">
+              <a:lnSpc>
+                <a:spcPct val="120000"/>
+              </a:lnSpc>
+              <a:spcBef>
+                <a:spcPts val="500"/>
+              </a:spcBef>
+              <a:buSzPct val="125000"/>
+              <a:buFont typeface="Arial" panose="020B0604020202020204" pitchFamily="34" charset="0"/>
+              <a:buChar char="•"/>
+              <a:defRPr sz="1600" kern="1200">
+                <a:solidFill>
+                  <a:schemeClr val="tx1"/>
+                </a:solidFill>
+                <a:latin typeface="+mn-lt"/>
+                <a:ea typeface="+mn-ea"/>
+                <a:cs typeface="+mn-cs"/>
+              </a:defRPr>
+            </a:lvl5pPr>
+            <a:lvl6pPr marL="2514600" indent="-228600" algn="l" defTabSz="914400" rtl="0" eaLnBrk="1" latinLnBrk="0" hangingPunct="1">
+              <a:lnSpc>
+                <a:spcPct val="120000"/>
+              </a:lnSpc>
+              <a:spcBef>
+                <a:spcPts val="500"/>
+              </a:spcBef>
+              <a:buSzPct val="125000"/>
+              <a:buFont typeface="Arial" panose="020B0604020202020204" pitchFamily="34" charset="0"/>
+              <a:buChar char="•"/>
+              <a:defRPr sz="1400" kern="1200">
+                <a:solidFill>
+                  <a:schemeClr val="tx1"/>
+                </a:solidFill>
+                <a:latin typeface="+mn-lt"/>
+                <a:ea typeface="+mn-ea"/>
+                <a:cs typeface="+mn-cs"/>
+              </a:defRPr>
+            </a:lvl6pPr>
+            <a:lvl7pPr marL="2971800" indent="-228600" algn="l" defTabSz="914400" rtl="0" eaLnBrk="1" latinLnBrk="0" hangingPunct="1">
+              <a:lnSpc>
+                <a:spcPct val="120000"/>
+              </a:lnSpc>
+              <a:spcBef>
+                <a:spcPts val="500"/>
+              </a:spcBef>
+              <a:buSzPct val="125000"/>
+              <a:buFont typeface="Arial" panose="020B0604020202020204" pitchFamily="34" charset="0"/>
+              <a:buChar char="•"/>
+              <a:defRPr sz="1400" kern="1200">
+                <a:solidFill>
+                  <a:schemeClr val="tx1"/>
+                </a:solidFill>
+                <a:latin typeface="+mn-lt"/>
+                <a:ea typeface="+mn-ea"/>
+                <a:cs typeface="+mn-cs"/>
+              </a:defRPr>
+            </a:lvl7pPr>
+            <a:lvl8pPr marL="3429000" indent="-228600" algn="l" defTabSz="914400" rtl="0" eaLnBrk="1" latinLnBrk="0" hangingPunct="1">
+              <a:lnSpc>
+                <a:spcPct val="120000"/>
+              </a:lnSpc>
+              <a:spcBef>
+                <a:spcPts val="500"/>
+              </a:spcBef>
+              <a:buSzPct val="125000"/>
+              <a:buFont typeface="Arial" panose="020B0604020202020204" pitchFamily="34" charset="0"/>
+              <a:buChar char="•"/>
+              <a:defRPr sz="1400" kern="1200">
+                <a:solidFill>
+                  <a:schemeClr val="tx1"/>
+                </a:solidFill>
+                <a:latin typeface="+mn-lt"/>
+                <a:ea typeface="+mn-ea"/>
+                <a:cs typeface="+mn-cs"/>
+              </a:defRPr>
+            </a:lvl8pPr>
+            <a:lvl9pPr marL="3886200" indent="-228600" algn="l" defTabSz="914400" rtl="0" eaLnBrk="1" latinLnBrk="0" hangingPunct="1">
+              <a:lnSpc>
+                <a:spcPct val="120000"/>
+              </a:lnSpc>
+              <a:spcBef>
+                <a:spcPts val="500"/>
+              </a:spcBef>
+              <a:buSzPct val="125000"/>
+              <a:buFont typeface="Arial" panose="020B0604020202020204" pitchFamily="34" charset="0"/>
+              <a:buChar char="•"/>
+              <a:defRPr sz="1400" kern="1200">
+                <a:solidFill>
+                  <a:schemeClr val="tx1"/>
+                </a:solidFill>
+                <a:latin typeface="+mn-lt"/>
+                <a:ea typeface="+mn-ea"/>
+                <a:cs typeface="+mn-cs"/>
+              </a:defRPr>
+            </a:lvl9pPr>
+          </a:lstStyle>
+          <a:p>
+            <a:pPr marL="0" indent="0" algn="ctr">
+              <a:buNone/>
+            </a:pPr>
+            <a:endParaRPr lang="en-US" sz="4000" b="1" dirty="0">
+              <a:ln>
+                <a:solidFill>
+                  <a:schemeClr val="bg1"/>
+                </a:solidFill>
+              </a:ln>
+              <a:solidFill>
+                <a:schemeClr val="bg1"/>
+              </a:solidFill>
+              <a:effectLst>
+                <a:glow rad="63500">
+                  <a:srgbClr val="002060">
+                    <a:alpha val="40000"/>
+                  </a:srgbClr>
+                </a:glow>
+                <a:outerShdw blurRad="38100" dist="38100" dir="2700000" algn="tl">
+                  <a:srgbClr val="000000">
+                    <a:alpha val="43137"/>
+                  </a:srgbClr>
+                </a:outerShdw>
+              </a:effectLst>
+              <a:cs typeface="+mj-cs"/>
+            </a:endParaRPr>
+          </a:p>
+        </p:txBody>
+      </p:sp>
+      <p:sp>
+        <p:nvSpPr>
+          <p:cNvPr id="10" name="Subtitle 2">
+            <a:extLst>
+              <a:ext uri="{FF2B5EF4-FFF2-40B4-BE49-F238E27FC236}">
+                <a16:creationId xmlns:a16="http://schemas.microsoft.com/office/drawing/2014/main" id="{1207A776-51F6-4EF4-B273-59237A185F72}"/>
+              </a:ext>
+            </a:extLst>
+          </p:cNvPr>
+          <p:cNvSpPr txBox="1">
+            <a:spLocks/>
+          </p:cNvSpPr>
+          <p:nvPr/>
+        </p:nvSpPr>
+        <p:spPr>
+          <a:xfrm>
+            <a:off x="4047" y="6557957"/>
+            <a:ext cx="12200192" cy="302115"/>
+          </a:xfrm>
+          <a:prstGeom prst="rect">
+            <a:avLst/>
+          </a:prstGeom>
+          <a:gradFill>
+            <a:gsLst>
+              <a:gs pos="0">
+                <a:srgbClr val="92FF70"/>
+              </a:gs>
+              <a:gs pos="50000">
+                <a:srgbClr val="C2FFB0"/>
+              </a:gs>
+              <a:gs pos="100000">
+                <a:srgbClr val="93FF73"/>
+              </a:gs>
+            </a:gsLst>
+          </a:gradFill>
+          <a:ln>
+            <a:noFill/>
+          </a:ln>
+        </p:spPr>
+        <p:style>
+          <a:lnRef idx="1">
+            <a:schemeClr val="accent6"/>
+          </a:lnRef>
+          <a:fillRef idx="2">
+            <a:schemeClr val="accent6"/>
+          </a:fillRef>
+          <a:effectRef idx="1">
+            <a:schemeClr val="accent6"/>
+          </a:effectRef>
+          <a:fontRef idx="minor">
+            <a:schemeClr val="dk1"/>
+          </a:fontRef>
+        </p:style>
+        <p:txBody>
+          <a:bodyPr vert="horz" lIns="91440" tIns="91440" rIns="91440" bIns="91440" rtlCol="0" anchor="ctr">
+            <a:noAutofit/>
+          </a:bodyPr>
+          <a:lstStyle>
+            <a:lvl1pPr marL="228600" indent="-228600" algn="l" defTabSz="914400" rtl="0" eaLnBrk="1" latinLnBrk="0" hangingPunct="1">
+              <a:lnSpc>
+                <a:spcPct val="120000"/>
+              </a:lnSpc>
+              <a:spcBef>
+                <a:spcPts val="1000"/>
+              </a:spcBef>
+              <a:buSzPct val="125000"/>
+              <a:buFont typeface="Arial" panose="020B0604020202020204" pitchFamily="34" charset="0"/>
+              <a:buChar char="•"/>
+              <a:defRPr sz="2400" kern="1200">
+                <a:solidFill>
+                  <a:schemeClr val="tx1"/>
+                </a:solidFill>
+                <a:latin typeface="+mn-lt"/>
+                <a:ea typeface="+mn-ea"/>
+                <a:cs typeface="+mn-cs"/>
+              </a:defRPr>
+            </a:lvl1pPr>
+            <a:lvl2pPr marL="685800" indent="-228600" algn="l" defTabSz="914400" rtl="0" eaLnBrk="1" latinLnBrk="0" hangingPunct="1">
+              <a:lnSpc>
+                <a:spcPct val="120000"/>
+              </a:lnSpc>
+              <a:spcBef>
+                <a:spcPts val="500"/>
+              </a:spcBef>
+              <a:buSzPct val="125000"/>
+              <a:buFont typeface="Arial" panose="020B0604020202020204" pitchFamily="34" charset="0"/>
+              <a:buChar char="•"/>
+              <a:defRPr sz="2000" kern="1200">
+                <a:solidFill>
+                  <a:schemeClr val="tx1"/>
+                </a:solidFill>
+                <a:latin typeface="+mn-lt"/>
+                <a:ea typeface="+mn-ea"/>
+                <a:cs typeface="+mn-cs"/>
+              </a:defRPr>
+            </a:lvl2pPr>
+            <a:lvl3pPr marL="1143000" indent="-228600" algn="l" defTabSz="914400" rtl="0" eaLnBrk="1" latinLnBrk="0" hangingPunct="1">
+              <a:lnSpc>
+                <a:spcPct val="120000"/>
+              </a:lnSpc>
+              <a:spcBef>
+                <a:spcPts val="500"/>
+              </a:spcBef>
+              <a:buSzPct val="125000"/>
+              <a:buFont typeface="Arial" panose="020B0604020202020204" pitchFamily="34" charset="0"/>
+              <a:buChar char="•"/>
+              <a:defRPr sz="1800" kern="1200">
+                <a:solidFill>
+                  <a:schemeClr val="tx1"/>
+                </a:solidFill>
+                <a:latin typeface="+mn-lt"/>
+                <a:ea typeface="+mn-ea"/>
+                <a:cs typeface="+mn-cs"/>
+              </a:defRPr>
+            </a:lvl3pPr>
+            <a:lvl4pPr marL="1600200" indent="-228600" algn="l" defTabSz="914400" rtl="0" eaLnBrk="1" latinLnBrk="0" hangingPunct="1">
+              <a:lnSpc>
+                <a:spcPct val="120000"/>
+              </a:lnSpc>
+              <a:spcBef>
+                <a:spcPts val="500"/>
+              </a:spcBef>
+              <a:buSzPct val="125000"/>
+              <a:buFont typeface="Arial" panose="020B0604020202020204" pitchFamily="34" charset="0"/>
+              <a:buChar char="•"/>
+              <a:defRPr sz="1600" kern="1200">
+                <a:solidFill>
+                  <a:schemeClr val="tx1"/>
+                </a:solidFill>
+                <a:latin typeface="+mn-lt"/>
+                <a:ea typeface="+mn-ea"/>
+                <a:cs typeface="+mn-cs"/>
+              </a:defRPr>
+            </a:lvl4pPr>
+            <a:lvl5pPr marL="2057400" indent="-228600" algn="l" defTabSz="914400" rtl="0" eaLnBrk="1" latinLnBrk="0" hangingPunct="1">
+              <a:lnSpc>
+                <a:spcPct val="120000"/>
+              </a:lnSpc>
+              <a:spcBef>
+                <a:spcPts val="500"/>
+              </a:spcBef>
+              <a:buSzPct val="125000"/>
+              <a:buFont typeface="Arial" panose="020B0604020202020204" pitchFamily="34" charset="0"/>
+              <a:buChar char="•"/>
+              <a:defRPr sz="1600" kern="1200">
+                <a:solidFill>
+                  <a:schemeClr val="tx1"/>
+                </a:solidFill>
+                <a:latin typeface="+mn-lt"/>
+                <a:ea typeface="+mn-ea"/>
+                <a:cs typeface="+mn-cs"/>
+              </a:defRPr>
+            </a:lvl5pPr>
+            <a:lvl6pPr marL="2514600" indent="-228600" algn="l" defTabSz="914400" rtl="0" eaLnBrk="1" latinLnBrk="0" hangingPunct="1">
+              <a:lnSpc>
+                <a:spcPct val="120000"/>
+              </a:lnSpc>
+              <a:spcBef>
+                <a:spcPts val="500"/>
+              </a:spcBef>
+              <a:buSzPct val="125000"/>
+              <a:buFont typeface="Arial" panose="020B0604020202020204" pitchFamily="34" charset="0"/>
+              <a:buChar char="•"/>
+              <a:defRPr sz="1400" kern="1200">
+                <a:solidFill>
+                  <a:schemeClr val="tx1"/>
+                </a:solidFill>
+                <a:latin typeface="+mn-lt"/>
+                <a:ea typeface="+mn-ea"/>
+                <a:cs typeface="+mn-cs"/>
+              </a:defRPr>
+            </a:lvl6pPr>
+            <a:lvl7pPr marL="2971800" indent="-228600" algn="l" defTabSz="914400" rtl="0" eaLnBrk="1" latinLnBrk="0" hangingPunct="1">
+              <a:lnSpc>
+                <a:spcPct val="120000"/>
+              </a:lnSpc>
+              <a:spcBef>
+                <a:spcPts val="500"/>
+              </a:spcBef>
+              <a:buSzPct val="125000"/>
+              <a:buFont typeface="Arial" panose="020B0604020202020204" pitchFamily="34" charset="0"/>
+              <a:buChar char="•"/>
+              <a:defRPr sz="1400" kern="1200">
+                <a:solidFill>
+                  <a:schemeClr val="tx1"/>
+                </a:solidFill>
+                <a:latin typeface="+mn-lt"/>
+                <a:ea typeface="+mn-ea"/>
+                <a:cs typeface="+mn-cs"/>
+              </a:defRPr>
+            </a:lvl7pPr>
+            <a:lvl8pPr marL="3429000" indent="-228600" algn="l" defTabSz="914400" rtl="0" eaLnBrk="1" latinLnBrk="0" hangingPunct="1">
+              <a:lnSpc>
+                <a:spcPct val="120000"/>
+              </a:lnSpc>
+              <a:spcBef>
+                <a:spcPts val="500"/>
+              </a:spcBef>
+              <a:buSzPct val="125000"/>
+              <a:buFont typeface="Arial" panose="020B0604020202020204" pitchFamily="34" charset="0"/>
+              <a:buChar char="•"/>
+              <a:defRPr sz="1400" kern="1200">
+                <a:solidFill>
+                  <a:schemeClr val="tx1"/>
+                </a:solidFill>
+                <a:latin typeface="+mn-lt"/>
+                <a:ea typeface="+mn-ea"/>
+                <a:cs typeface="+mn-cs"/>
+              </a:defRPr>
+            </a:lvl8pPr>
+            <a:lvl9pPr marL="3886200" indent="-228600" algn="l" defTabSz="914400" rtl="0" eaLnBrk="1" latinLnBrk="0" hangingPunct="1">
+              <a:lnSpc>
+                <a:spcPct val="120000"/>
+              </a:lnSpc>
+              <a:spcBef>
+                <a:spcPts val="500"/>
+              </a:spcBef>
+              <a:buSzPct val="125000"/>
+              <a:buFont typeface="Arial" panose="020B0604020202020204" pitchFamily="34" charset="0"/>
+              <a:buChar char="•"/>
+              <a:defRPr sz="1400" kern="1200">
+                <a:solidFill>
+                  <a:schemeClr val="tx1"/>
+                </a:solidFill>
+                <a:latin typeface="+mn-lt"/>
+                <a:ea typeface="+mn-ea"/>
+                <a:cs typeface="+mn-cs"/>
+              </a:defRPr>
+            </a:lvl9pPr>
+          </a:lstStyle>
+          <a:p>
+            <a:pPr marL="0" indent="0" algn="ctr">
+              <a:buNone/>
+            </a:pPr>
+            <a:r>
+              <a:rPr lang="th-TH" b="1" dirty="0">
+                <a:solidFill>
+                  <a:schemeClr val="tx1">
+                    <a:lumMod val="95000"/>
+                    <a:lumOff val="5000"/>
+                  </a:schemeClr>
+                </a:solidFill>
+                <a:effectLst>
+                  <a:outerShdw blurRad="38100" dist="38100" dir="2700000" algn="tl">
+                    <a:srgbClr val="000000">
+                      <a:alpha val="43137"/>
+                    </a:srgbClr>
+                  </a:outerShdw>
+                </a:effectLst>
+                <a:latin typeface="Angsana New" panose="02020603050405020304" pitchFamily="18" charset="-34"/>
+                <a:cs typeface="Angsana New" panose="02020603050405020304" pitchFamily="18" charset="-34"/>
+              </a:rPr>
+              <a:t>สำนักงานสาธารณสุขจังหวัดชุมพร      วิสัยทัศน์       “องค์กรหลักด้านสุขภาพ ที่รวมพลังสังคม สู่ชุมพรเมืองสุขภาวะ”</a:t>
+            </a:r>
+            <a:endParaRPr lang="en-US" b="1" dirty="0">
+              <a:ln>
+                <a:solidFill>
+                  <a:schemeClr val="bg1"/>
+                </a:solidFill>
+              </a:ln>
+              <a:solidFill>
+                <a:schemeClr val="tx1">
+                  <a:lumMod val="95000"/>
+                  <a:lumOff val="5000"/>
+                </a:schemeClr>
+              </a:solidFill>
+              <a:effectLst>
+                <a:glow rad="63500">
+                  <a:srgbClr val="002060">
+                    <a:alpha val="40000"/>
+                  </a:srgbClr>
+                </a:glow>
+                <a:outerShdw blurRad="38100" dist="38100" dir="2700000" algn="tl">
+                  <a:srgbClr val="000000">
+                    <a:alpha val="43137"/>
+                  </a:srgbClr>
+                </a:outerShdw>
+              </a:effectLst>
+              <a:latin typeface="Angsana New" panose="02020603050405020304" pitchFamily="18" charset="-34"/>
+              <a:cs typeface="Angsana New" panose="02020603050405020304" pitchFamily="18" charset="-34"/>
+            </a:endParaRPr>
+          </a:p>
+        </p:txBody>
+      </p:sp>
+      <p:sp>
+        <p:nvSpPr>
+          <p:cNvPr id="2" name="Rectangle 1">
+            <a:extLst>
+              <a:ext uri="{FF2B5EF4-FFF2-40B4-BE49-F238E27FC236}">
+                <a16:creationId xmlns:a16="http://schemas.microsoft.com/office/drawing/2014/main" id="{721DEDA1-04DA-4F60-9C85-C8291E30021C}"/>
+              </a:ext>
+            </a:extLst>
+          </p:cNvPr>
+          <p:cNvSpPr/>
+          <p:nvPr/>
+        </p:nvSpPr>
+        <p:spPr>
+          <a:xfrm>
+            <a:off x="1327578" y="149575"/>
+            <a:ext cx="5240538" cy="769441"/>
+          </a:xfrm>
+          <a:prstGeom prst="rect">
+            <a:avLst/>
+          </a:prstGeom>
+        </p:spPr>
+        <p:txBody>
+          <a:bodyPr wrap="none">
+            <a:spAutoFit/>
+          </a:bodyPr>
+          <a:lstStyle/>
+          <a:p>
+            <a:pPr algn="ctr"/>
+            <a:r>
+              <a:rPr lang="th-TH" sz="4400" b="1" dirty="0">
+                <a:effectLst>
+                  <a:outerShdw blurRad="38100" dist="38100" dir="2700000" algn="tl">
+                    <a:srgbClr val="000000">
+                      <a:alpha val="43137"/>
+                    </a:srgbClr>
+                  </a:outerShdw>
+                </a:effectLst>
+                <a:latin typeface="Angsana New" panose="02020603050405020304" pitchFamily="18" charset="-34"/>
+                <a:cs typeface="Angsana New" panose="02020603050405020304" pitchFamily="18" charset="-34"/>
+              </a:rPr>
+              <a:t>ข้อมูลทั่วไปและข้อมูลสาธารณสุข</a:t>
+            </a:r>
+            <a:endParaRPr lang="en-US" sz="4400" b="1" dirty="0">
+              <a:effectLst>
+                <a:outerShdw blurRad="38100" dist="38100" dir="2700000" algn="tl">
+                  <a:srgbClr val="000000">
+                    <a:alpha val="43137"/>
+                  </a:srgbClr>
+                </a:outerShdw>
+              </a:effectLst>
+              <a:latin typeface="Angsana New" panose="02020603050405020304" pitchFamily="18" charset="-34"/>
+              <a:cs typeface="Angsana New" panose="02020603050405020304" pitchFamily="18" charset="-34"/>
+            </a:endParaRPr>
+          </a:p>
+        </p:txBody>
+      </p:sp>
+      <p:pic>
+        <p:nvPicPr>
+          <p:cNvPr id="11" name="Picture 10">
+            <a:extLst>
+              <a:ext uri="{FF2B5EF4-FFF2-40B4-BE49-F238E27FC236}">
+                <a16:creationId xmlns:a16="http://schemas.microsoft.com/office/drawing/2014/main" id="{C802CAB1-E7AD-4300-A120-116D3BDC5B58}"/>
+              </a:ext>
+            </a:extLst>
+          </p:cNvPr>
+          <p:cNvPicPr>
+            <a:picLocks noChangeAspect="1"/>
+          </p:cNvPicPr>
+          <p:nvPr/>
+        </p:nvPicPr>
+        <p:blipFill>
+          <a:blip r:embed="rId3"/>
+          <a:stretch>
+            <a:fillRect/>
+          </a:stretch>
+        </p:blipFill>
+        <p:spPr>
+          <a:xfrm>
+            <a:off x="160341" y="44928"/>
+            <a:ext cx="1010943" cy="1010943"/>
+          </a:xfrm>
+          <a:prstGeom prst="rect">
+            <a:avLst/>
+          </a:prstGeom>
+        </p:spPr>
+      </p:pic>
+    </p:spTree>
+    <p:extLst>
+      <p:ext uri="{BB962C8B-B14F-4D97-AF65-F5344CB8AC3E}">
+        <p14:creationId xmlns:p14="http://schemas.microsoft.com/office/powerpoint/2010/main" val="2681385843"/>
+      </p:ext>
+    </p:extLst>
+  </p:cSld>
+  <p:clrMapOvr>
+    <a:masterClrMapping/>
+  </p:clrMapOvr>
+</p:sld>
+</file>
+
+<file path=ppt/slides/slide2.xml><?xml version="1.0" encoding="utf-8"?>
+<p:sld xmlns:a="http://schemas.openxmlformats.org/drawingml/2006/main" xmlns:r="http://schemas.openxmlformats.org/officeDocument/2006/relationships" xmlns:p="http://schemas.openxmlformats.org/presentationml/2006/main">
+  <p:cSld>
+    <p:bg>
+      <p:bgPr>
+        <a:solidFill>
+          <a:schemeClr val="bg1"/>
+        </a:solidFill>
+        <a:effectLst/>
+      </p:bgPr>
+    </p:bg>
+    <p:spTree>
+      <p:nvGrpSpPr>
+        <p:cNvPr id="1" name=""/>
+        <p:cNvGrpSpPr/>
+        <p:nvPr/>
+      </p:nvGrpSpPr>
+      <p:grpSpPr>
+        <a:xfrm>
+          <a:off x="0" y="0"/>
+          <a:ext cx="0" cy="0"/>
+          <a:chOff x="0" y="0"/>
+          <a:chExt cx="0" cy="0"/>
+        </a:xfrm>
+      </p:grpSpPr>
+      <p:sp>
+        <p:nvSpPr>
+          <p:cNvPr id="30" name="Subtitle 2">
+            <a:extLst>
+              <a:ext uri="{FF2B5EF4-FFF2-40B4-BE49-F238E27FC236}">
+                <a16:creationId xmlns:a16="http://schemas.microsoft.com/office/drawing/2014/main" id="{4080A445-4CAD-49CD-9AF4-0D5E87F8BEE5}"/>
+              </a:ext>
+            </a:extLst>
+          </p:cNvPr>
+          <p:cNvSpPr txBox="1">
+            <a:spLocks/>
+          </p:cNvSpPr>
+          <p:nvPr/>
+        </p:nvSpPr>
+        <p:spPr>
+          <a:xfrm>
+            <a:off x="4047" y="-60412"/>
+            <a:ext cx="12200192" cy="1189416"/>
+          </a:xfrm>
+          <a:prstGeom prst="rect">
+            <a:avLst/>
+          </a:prstGeom>
+          <a:gradFill>
+            <a:gsLst>
+              <a:gs pos="0">
+                <a:srgbClr val="92FF70"/>
+              </a:gs>
+              <a:gs pos="50000">
+                <a:srgbClr val="C2FFB0"/>
+              </a:gs>
+              <a:gs pos="100000">
+                <a:srgbClr val="93FF73"/>
+              </a:gs>
+            </a:gsLst>
+          </a:gradFill>
+          <a:ln>
+            <a:noFill/>
+          </a:ln>
+        </p:spPr>
+        <p:style>
+          <a:lnRef idx="1">
+            <a:schemeClr val="accent6"/>
+          </a:lnRef>
+          <a:fillRef idx="2">
+            <a:schemeClr val="accent6"/>
+          </a:fillRef>
+          <a:effectRef idx="1">
+            <a:schemeClr val="accent6"/>
+          </a:effectRef>
+          <a:fontRef idx="minor">
+            <a:schemeClr val="dk1"/>
+          </a:fontRef>
+        </p:style>
+        <p:txBody>
+          <a:bodyPr vert="horz" lIns="91440" tIns="91440" rIns="91440" bIns="91440" rtlCol="0" anchor="ctr">
+            <a:noAutofit/>
+          </a:bodyPr>
+          <a:lstStyle>
+            <a:lvl1pPr marL="228600" indent="-228600" algn="l" defTabSz="914400" rtl="0" eaLnBrk="1" latinLnBrk="0" hangingPunct="1">
+              <a:lnSpc>
+                <a:spcPct val="120000"/>
+              </a:lnSpc>
+              <a:spcBef>
+                <a:spcPts val="1000"/>
+              </a:spcBef>
+              <a:buSzPct val="125000"/>
+              <a:buFont typeface="Arial" panose="020B0604020202020204" pitchFamily="34" charset="0"/>
+              <a:buChar char="•"/>
+              <a:defRPr sz="2400" kern="1200">
+                <a:solidFill>
+                  <a:schemeClr val="tx1"/>
+                </a:solidFill>
+                <a:latin typeface="+mn-lt"/>
+                <a:ea typeface="+mn-ea"/>
+                <a:cs typeface="+mn-cs"/>
+              </a:defRPr>
+            </a:lvl1pPr>
+            <a:lvl2pPr marL="685800" indent="-228600" algn="l" defTabSz="914400" rtl="0" eaLnBrk="1" latinLnBrk="0" hangingPunct="1">
+              <a:lnSpc>
+                <a:spcPct val="120000"/>
+              </a:lnSpc>
+              <a:spcBef>
+                <a:spcPts val="500"/>
+              </a:spcBef>
+              <a:buSzPct val="125000"/>
+              <a:buFont typeface="Arial" panose="020B0604020202020204" pitchFamily="34" charset="0"/>
+              <a:buChar char="•"/>
+              <a:defRPr sz="2000" kern="1200">
+                <a:solidFill>
+                  <a:schemeClr val="tx1"/>
+                </a:solidFill>
+                <a:latin typeface="+mn-lt"/>
+                <a:ea typeface="+mn-ea"/>
+                <a:cs typeface="+mn-cs"/>
+              </a:defRPr>
+            </a:lvl2pPr>
+            <a:lvl3pPr marL="1143000" indent="-228600" algn="l" defTabSz="914400" rtl="0" eaLnBrk="1" latinLnBrk="0" hangingPunct="1">
+              <a:lnSpc>
+                <a:spcPct val="120000"/>
+              </a:lnSpc>
+              <a:spcBef>
+                <a:spcPts val="500"/>
+              </a:spcBef>
+              <a:buSzPct val="125000"/>
+              <a:buFont typeface="Arial" panose="020B0604020202020204" pitchFamily="34" charset="0"/>
+              <a:buChar char="•"/>
+              <a:defRPr sz="1800" kern="1200">
+                <a:solidFill>
+                  <a:schemeClr val="tx1"/>
+                </a:solidFill>
+                <a:latin typeface="+mn-lt"/>
+                <a:ea typeface="+mn-ea"/>
+                <a:cs typeface="+mn-cs"/>
+              </a:defRPr>
+            </a:lvl3pPr>
+            <a:lvl4pPr marL="1600200" indent="-228600" algn="l" defTabSz="914400" rtl="0" eaLnBrk="1" latinLnBrk="0" hangingPunct="1">
+              <a:lnSpc>
+                <a:spcPct val="120000"/>
+              </a:lnSpc>
+              <a:spcBef>
+                <a:spcPts val="500"/>
+              </a:spcBef>
+              <a:buSzPct val="125000"/>
+              <a:buFont typeface="Arial" panose="020B0604020202020204" pitchFamily="34" charset="0"/>
+              <a:buChar char="•"/>
+              <a:defRPr sz="1600" kern="1200">
+                <a:solidFill>
+                  <a:schemeClr val="tx1"/>
+                </a:solidFill>
+                <a:latin typeface="+mn-lt"/>
+                <a:ea typeface="+mn-ea"/>
+                <a:cs typeface="+mn-cs"/>
+              </a:defRPr>
+            </a:lvl4pPr>
+            <a:lvl5pPr marL="2057400" indent="-228600" algn="l" defTabSz="914400" rtl="0" eaLnBrk="1" latinLnBrk="0" hangingPunct="1">
+              <a:lnSpc>
+                <a:spcPct val="120000"/>
+              </a:lnSpc>
+              <a:spcBef>
+                <a:spcPts val="500"/>
+              </a:spcBef>
+              <a:buSzPct val="125000"/>
+              <a:buFont typeface="Arial" panose="020B0604020202020204" pitchFamily="34" charset="0"/>
+              <a:buChar char="•"/>
+              <a:defRPr sz="1600" kern="1200">
+                <a:solidFill>
+                  <a:schemeClr val="tx1"/>
+                </a:solidFill>
+                <a:latin typeface="+mn-lt"/>
+                <a:ea typeface="+mn-ea"/>
+                <a:cs typeface="+mn-cs"/>
+              </a:defRPr>
+            </a:lvl5pPr>
+            <a:lvl6pPr marL="2514600" indent="-228600" algn="l" defTabSz="914400" rtl="0" eaLnBrk="1" latinLnBrk="0" hangingPunct="1">
+              <a:lnSpc>
+                <a:spcPct val="120000"/>
+              </a:lnSpc>
+              <a:spcBef>
+                <a:spcPts val="500"/>
+              </a:spcBef>
+              <a:buSzPct val="125000"/>
+              <a:buFont typeface="Arial" panose="020B0604020202020204" pitchFamily="34" charset="0"/>
+              <a:buChar char="•"/>
+              <a:defRPr sz="1400" kern="1200">
+                <a:solidFill>
+                  <a:schemeClr val="tx1"/>
+                </a:solidFill>
+                <a:latin typeface="+mn-lt"/>
+                <a:ea typeface="+mn-ea"/>
+                <a:cs typeface="+mn-cs"/>
+              </a:defRPr>
+            </a:lvl6pPr>
+            <a:lvl7pPr marL="2971800" indent="-228600" algn="l" defTabSz="914400" rtl="0" eaLnBrk="1" latinLnBrk="0" hangingPunct="1">
+              <a:lnSpc>
+                <a:spcPct val="120000"/>
+              </a:lnSpc>
+              <a:spcBef>
+                <a:spcPts val="500"/>
+              </a:spcBef>
+              <a:buSzPct val="125000"/>
+              <a:buFont typeface="Arial" panose="020B0604020202020204" pitchFamily="34" charset="0"/>
+              <a:buChar char="•"/>
+              <a:defRPr sz="1400" kern="1200">
+                <a:solidFill>
+                  <a:schemeClr val="tx1"/>
+                </a:solidFill>
+                <a:latin typeface="+mn-lt"/>
+                <a:ea typeface="+mn-ea"/>
+                <a:cs typeface="+mn-cs"/>
+              </a:defRPr>
+            </a:lvl7pPr>
+            <a:lvl8pPr marL="3429000" indent="-228600" algn="l" defTabSz="914400" rtl="0" eaLnBrk="1" latinLnBrk="0" hangingPunct="1">
+              <a:lnSpc>
+                <a:spcPct val="120000"/>
+              </a:lnSpc>
+              <a:spcBef>
+                <a:spcPts val="500"/>
+              </a:spcBef>
+              <a:buSzPct val="125000"/>
+              <a:buFont typeface="Arial" panose="020B0604020202020204" pitchFamily="34" charset="0"/>
+              <a:buChar char="•"/>
+              <a:defRPr sz="1400" kern="1200">
+                <a:solidFill>
+                  <a:schemeClr val="tx1"/>
+                </a:solidFill>
+                <a:latin typeface="+mn-lt"/>
+                <a:ea typeface="+mn-ea"/>
+                <a:cs typeface="+mn-cs"/>
+              </a:defRPr>
+            </a:lvl8pPr>
+            <a:lvl9pPr marL="3886200" indent="-228600" algn="l" defTabSz="914400" rtl="0" eaLnBrk="1" latinLnBrk="0" hangingPunct="1">
+              <a:lnSpc>
+                <a:spcPct val="120000"/>
+              </a:lnSpc>
+              <a:spcBef>
+                <a:spcPts val="500"/>
+              </a:spcBef>
+              <a:buSzPct val="125000"/>
+              <a:buFont typeface="Arial" panose="020B0604020202020204" pitchFamily="34" charset="0"/>
+              <a:buChar char="•"/>
+              <a:defRPr sz="1400" kern="1200">
+                <a:solidFill>
+                  <a:schemeClr val="tx1"/>
+                </a:solidFill>
+                <a:latin typeface="+mn-lt"/>
+                <a:ea typeface="+mn-ea"/>
+                <a:cs typeface="+mn-cs"/>
+              </a:defRPr>
+            </a:lvl9pPr>
+          </a:lstStyle>
+          <a:p>
+            <a:pPr marL="0" indent="0" algn="ctr">
+              <a:buNone/>
+            </a:pPr>
+            <a:endParaRPr lang="en-US" sz="4000" b="1" dirty="0">
+              <a:ln>
+                <a:solidFill>
+                  <a:schemeClr val="bg1"/>
+                </a:solidFill>
+              </a:ln>
+              <a:solidFill>
+                <a:schemeClr val="bg1"/>
+              </a:solidFill>
+              <a:effectLst>
+                <a:glow rad="63500">
+                  <a:srgbClr val="002060">
+                    <a:alpha val="40000"/>
+                  </a:srgbClr>
+                </a:glow>
+                <a:outerShdw blurRad="38100" dist="38100" dir="2700000" algn="tl">
+                  <a:srgbClr val="000000">
+                    <a:alpha val="43137"/>
+                  </a:srgbClr>
+                </a:outerShdw>
+              </a:effectLst>
+              <a:cs typeface="+mj-cs"/>
+            </a:endParaRPr>
+          </a:p>
+        </p:txBody>
+      </p:sp>
+      <p:sp>
+        <p:nvSpPr>
+          <p:cNvPr id="41" name="Subtitle 2">
+            <a:extLst>
+              <a:ext uri="{FF2B5EF4-FFF2-40B4-BE49-F238E27FC236}">
+                <a16:creationId xmlns:a16="http://schemas.microsoft.com/office/drawing/2014/main" id="{B5E23032-941A-42B8-A4F8-A2AA1EC2E61C}"/>
+              </a:ext>
+            </a:extLst>
+          </p:cNvPr>
+          <p:cNvSpPr txBox="1">
+            <a:spLocks/>
+          </p:cNvSpPr>
+          <p:nvPr/>
+        </p:nvSpPr>
+        <p:spPr>
+          <a:xfrm>
+            <a:off x="4047" y="6557957"/>
+            <a:ext cx="12200192" cy="302115"/>
+          </a:xfrm>
+          <a:prstGeom prst="rect">
+            <a:avLst/>
+          </a:prstGeom>
+          <a:gradFill>
+            <a:gsLst>
+              <a:gs pos="0">
+                <a:srgbClr val="92FF70"/>
+              </a:gs>
+              <a:gs pos="50000">
+                <a:srgbClr val="C2FFB0"/>
+              </a:gs>
+              <a:gs pos="100000">
+                <a:srgbClr val="93FF73"/>
+              </a:gs>
+            </a:gsLst>
+          </a:gradFill>
+          <a:ln>
+            <a:noFill/>
+          </a:ln>
+        </p:spPr>
+        <p:style>
+          <a:lnRef idx="1">
+            <a:schemeClr val="accent6"/>
+          </a:lnRef>
+          <a:fillRef idx="2">
+            <a:schemeClr val="accent6"/>
+          </a:fillRef>
+          <a:effectRef idx="1">
+            <a:schemeClr val="accent6"/>
+          </a:effectRef>
+          <a:fontRef idx="minor">
+            <a:schemeClr val="dk1"/>
+          </a:fontRef>
+        </p:style>
+        <p:txBody>
+          <a:bodyPr vert="horz" lIns="91440" tIns="91440" rIns="91440" bIns="91440" rtlCol="0" anchor="ctr">
+            <a:noAutofit/>
+          </a:bodyPr>
+          <a:lstStyle>
+            <a:lvl1pPr marL="228600" indent="-228600" algn="l" defTabSz="914400" rtl="0" eaLnBrk="1" latinLnBrk="0" hangingPunct="1">
+              <a:lnSpc>
+                <a:spcPct val="120000"/>
+              </a:lnSpc>
+              <a:spcBef>
+                <a:spcPts val="1000"/>
+              </a:spcBef>
+              <a:buSzPct val="125000"/>
+              <a:buFont typeface="Arial" panose="020B0604020202020204" pitchFamily="34" charset="0"/>
+              <a:buChar char="•"/>
+              <a:defRPr sz="2400" kern="1200">
+                <a:solidFill>
+                  <a:schemeClr val="tx1"/>
+                </a:solidFill>
+                <a:latin typeface="+mn-lt"/>
+                <a:ea typeface="+mn-ea"/>
+                <a:cs typeface="+mn-cs"/>
+              </a:defRPr>
+            </a:lvl1pPr>
+            <a:lvl2pPr marL="685800" indent="-228600" algn="l" defTabSz="914400" rtl="0" eaLnBrk="1" latinLnBrk="0" hangingPunct="1">
+              <a:lnSpc>
+                <a:spcPct val="120000"/>
+              </a:lnSpc>
+              <a:spcBef>
+                <a:spcPts val="500"/>
+              </a:spcBef>
+              <a:buSzPct val="125000"/>
+              <a:buFont typeface="Arial" panose="020B0604020202020204" pitchFamily="34" charset="0"/>
+              <a:buChar char="•"/>
+              <a:defRPr sz="2000" kern="1200">
+                <a:solidFill>
+                  <a:schemeClr val="tx1"/>
+                </a:solidFill>
+                <a:latin typeface="+mn-lt"/>
+                <a:ea typeface="+mn-ea"/>
+                <a:cs typeface="+mn-cs"/>
+              </a:defRPr>
+            </a:lvl2pPr>
+            <a:lvl3pPr marL="1143000" indent="-228600" algn="l" defTabSz="914400" rtl="0" eaLnBrk="1" latinLnBrk="0" hangingPunct="1">
+              <a:lnSpc>
+                <a:spcPct val="120000"/>
+              </a:lnSpc>
+              <a:spcBef>
+                <a:spcPts val="500"/>
+              </a:spcBef>
+              <a:buSzPct val="125000"/>
+              <a:buFont typeface="Arial" panose="020B0604020202020204" pitchFamily="34" charset="0"/>
+              <a:buChar char="•"/>
+              <a:defRPr sz="1800" kern="1200">
+                <a:solidFill>
+                  <a:schemeClr val="tx1"/>
+                </a:solidFill>
+                <a:latin typeface="+mn-lt"/>
+                <a:ea typeface="+mn-ea"/>
+                <a:cs typeface="+mn-cs"/>
+              </a:defRPr>
+            </a:lvl3pPr>
+            <a:lvl4pPr marL="1600200" indent="-228600" algn="l" defTabSz="914400" rtl="0" eaLnBrk="1" latinLnBrk="0" hangingPunct="1">
+              <a:lnSpc>
+                <a:spcPct val="120000"/>
+              </a:lnSpc>
+              <a:spcBef>
+                <a:spcPts val="500"/>
+              </a:spcBef>
+              <a:buSzPct val="125000"/>
+              <a:buFont typeface="Arial" panose="020B0604020202020204" pitchFamily="34" charset="0"/>
+              <a:buChar char="•"/>
+              <a:defRPr sz="1600" kern="1200">
+                <a:solidFill>
+                  <a:schemeClr val="tx1"/>
+                </a:solidFill>
+                <a:latin typeface="+mn-lt"/>
+                <a:ea typeface="+mn-ea"/>
+                <a:cs typeface="+mn-cs"/>
+              </a:defRPr>
+            </a:lvl4pPr>
+            <a:lvl5pPr marL="2057400" indent="-228600" algn="l" defTabSz="914400" rtl="0" eaLnBrk="1" latinLnBrk="0" hangingPunct="1">
+              <a:lnSpc>
+                <a:spcPct val="120000"/>
+              </a:lnSpc>
+              <a:spcBef>
+                <a:spcPts val="500"/>
+              </a:spcBef>
+              <a:buSzPct val="125000"/>
+              <a:buFont typeface="Arial" panose="020B0604020202020204" pitchFamily="34" charset="0"/>
+              <a:buChar char="•"/>
+              <a:defRPr sz="1600" kern="1200">
+                <a:solidFill>
+                  <a:schemeClr val="tx1"/>
+                </a:solidFill>
+                <a:latin typeface="+mn-lt"/>
+                <a:ea typeface="+mn-ea"/>
+                <a:cs typeface="+mn-cs"/>
+              </a:defRPr>
+            </a:lvl5pPr>
+            <a:lvl6pPr marL="2514600" indent="-228600" algn="l" defTabSz="914400" rtl="0" eaLnBrk="1" latinLnBrk="0" hangingPunct="1">
+              <a:lnSpc>
+                <a:spcPct val="120000"/>
+              </a:lnSpc>
+              <a:spcBef>
+                <a:spcPts val="500"/>
+              </a:spcBef>
+              <a:buSzPct val="125000"/>
+              <a:buFont typeface="Arial" panose="020B0604020202020204" pitchFamily="34" charset="0"/>
+              <a:buChar char="•"/>
+              <a:defRPr sz="1400" kern="1200">
+                <a:solidFill>
+                  <a:schemeClr val="tx1"/>
+                </a:solidFill>
+                <a:latin typeface="+mn-lt"/>
+                <a:ea typeface="+mn-ea"/>
+                <a:cs typeface="+mn-cs"/>
+              </a:defRPr>
+            </a:lvl6pPr>
+            <a:lvl7pPr marL="2971800" indent="-228600" algn="l" defTabSz="914400" rtl="0" eaLnBrk="1" latinLnBrk="0" hangingPunct="1">
+              <a:lnSpc>
+                <a:spcPct val="120000"/>
+              </a:lnSpc>
+              <a:spcBef>
+                <a:spcPts val="500"/>
+              </a:spcBef>
+              <a:buSzPct val="125000"/>
+              <a:buFont typeface="Arial" panose="020B0604020202020204" pitchFamily="34" charset="0"/>
+              <a:buChar char="•"/>
+              <a:defRPr sz="1400" kern="1200">
+                <a:solidFill>
+                  <a:schemeClr val="tx1"/>
+                </a:solidFill>
+                <a:latin typeface="+mn-lt"/>
+                <a:ea typeface="+mn-ea"/>
+                <a:cs typeface="+mn-cs"/>
+              </a:defRPr>
+            </a:lvl7pPr>
+            <a:lvl8pPr marL="3429000" indent="-228600" algn="l" defTabSz="914400" rtl="0" eaLnBrk="1" latinLnBrk="0" hangingPunct="1">
+              <a:lnSpc>
+                <a:spcPct val="120000"/>
+              </a:lnSpc>
+              <a:spcBef>
+                <a:spcPts val="500"/>
+              </a:spcBef>
+              <a:buSzPct val="125000"/>
+              <a:buFont typeface="Arial" panose="020B0604020202020204" pitchFamily="34" charset="0"/>
+              <a:buChar char="•"/>
+              <a:defRPr sz="1400" kern="1200">
+                <a:solidFill>
+                  <a:schemeClr val="tx1"/>
+                </a:solidFill>
+                <a:latin typeface="+mn-lt"/>
+                <a:ea typeface="+mn-ea"/>
+                <a:cs typeface="+mn-cs"/>
+              </a:defRPr>
+            </a:lvl8pPr>
+            <a:lvl9pPr marL="3886200" indent="-228600" algn="l" defTabSz="914400" rtl="0" eaLnBrk="1" latinLnBrk="0" hangingPunct="1">
+              <a:lnSpc>
+                <a:spcPct val="120000"/>
+              </a:lnSpc>
+              <a:spcBef>
+                <a:spcPts val="500"/>
+              </a:spcBef>
+              <a:buSzPct val="125000"/>
+              <a:buFont typeface="Arial" panose="020B0604020202020204" pitchFamily="34" charset="0"/>
+              <a:buChar char="•"/>
+              <a:defRPr sz="1400" kern="1200">
+                <a:solidFill>
+                  <a:schemeClr val="tx1"/>
+                </a:solidFill>
+                <a:latin typeface="+mn-lt"/>
+                <a:ea typeface="+mn-ea"/>
+                <a:cs typeface="+mn-cs"/>
+              </a:defRPr>
+            </a:lvl9pPr>
+          </a:lstStyle>
+          <a:p>
+            <a:pPr marL="0" indent="0" algn="ctr">
+              <a:buNone/>
+            </a:pPr>
+            <a:r>
+              <a:rPr lang="th-TH" b="1" dirty="0">
+                <a:solidFill>
+                  <a:schemeClr val="tx1">
+                    <a:lumMod val="95000"/>
+                    <a:lumOff val="5000"/>
+                  </a:schemeClr>
+                </a:solidFill>
+                <a:effectLst>
+                  <a:outerShdw blurRad="38100" dist="38100" dir="2700000" algn="tl">
+                    <a:srgbClr val="000000">
+                      <a:alpha val="43137"/>
+                    </a:srgbClr>
+                  </a:outerShdw>
+                </a:effectLst>
+                <a:latin typeface="Angsana New" panose="02020603050405020304" pitchFamily="18" charset="-34"/>
+                <a:cs typeface="Angsana New" panose="02020603050405020304" pitchFamily="18" charset="-34"/>
+              </a:rPr>
+              <a:t>สำนักงานสาธารณสุขจังหวัดชุมพร      วิสัยทัศน์       “องค์กรหลักด้านสุขภาพ ที่รวมพลังสังคม สู่ชุมพรเมืองสุขภาวะ”</a:t>
+            </a:r>
+            <a:endParaRPr lang="en-US" b="1" dirty="0">
+              <a:ln>
+                <a:solidFill>
+                  <a:schemeClr val="bg1"/>
+                </a:solidFill>
+              </a:ln>
+              <a:solidFill>
+                <a:schemeClr val="tx1">
+                  <a:lumMod val="95000"/>
+                  <a:lumOff val="5000"/>
+                </a:schemeClr>
+              </a:solidFill>
+              <a:effectLst>
+                <a:glow rad="63500">
+                  <a:srgbClr val="002060">
+                    <a:alpha val="40000"/>
+                  </a:srgbClr>
+                </a:glow>
+                <a:outerShdw blurRad="38100" dist="38100" dir="2700000" algn="tl">
+                  <a:srgbClr val="000000">
+                    <a:alpha val="43137"/>
+                  </a:srgbClr>
+                </a:outerShdw>
+              </a:effectLst>
+              <a:latin typeface="Angsana New" panose="02020603050405020304" pitchFamily="18" charset="-34"/>
+              <a:cs typeface="Angsana New" panose="02020603050405020304" pitchFamily="18" charset="-34"/>
+            </a:endParaRPr>
+          </a:p>
+        </p:txBody>
+      </p:sp>
+      <p:pic>
+        <p:nvPicPr>
+          <p:cNvPr id="42" name="Picture 41">
+            <a:extLst>
+              <a:ext uri="{FF2B5EF4-FFF2-40B4-BE49-F238E27FC236}">
+                <a16:creationId xmlns:a16="http://schemas.microsoft.com/office/drawing/2014/main" id="{6A59AC5F-2181-4848-AC91-3A83B1931EC8}"/>
+              </a:ext>
+            </a:extLst>
+          </p:cNvPr>
+          <p:cNvPicPr>
+            <a:picLocks noChangeAspect="1"/>
+          </p:cNvPicPr>
+          <p:nvPr/>
+        </p:nvPicPr>
+        <p:blipFill>
+          <a:blip r:embed="rId2"/>
+          <a:stretch>
+            <a:fillRect/>
+          </a:stretch>
+        </p:blipFill>
+        <p:spPr>
+          <a:xfrm>
+            <a:off x="160341" y="44928"/>
+            <a:ext cx="1010943" cy="1010943"/>
+          </a:xfrm>
+          <a:prstGeom prst="rect">
+            <a:avLst/>
+          </a:prstGeom>
+        </p:spPr>
+      </p:pic>
       <p:grpSp>
         <p:nvGrpSpPr>
           <p:cNvPr id="10" name="กลุ่ม 16">
@@ -3908,7 +5179,7 @@
         </p:nvGrpSpPr>
         <p:grpSpPr>
           <a:xfrm>
-            <a:off x="8120421" y="1002834"/>
+            <a:off x="7482857" y="1284652"/>
             <a:ext cx="3108875" cy="5219997"/>
             <a:chOff x="3324473" y="385763"/>
             <a:chExt cx="3714509" cy="6088327"/>
@@ -4490,7 +5761,9 @@
                 </a:path>
               </a:pathLst>
             </a:custGeom>
-            <a:grpFill/>
+            <a:solidFill>
+              <a:srgbClr val="FFFF00"/>
+            </a:solidFill>
             <a:ln>
               <a:noFill/>
             </a:ln>
@@ -5198,7 +6471,7 @@
               </a:pathLst>
             </a:custGeom>
             <a:solidFill>
-              <a:srgbClr val="CCCCFC"/>
+              <a:srgbClr val="0070C0"/>
             </a:solidFill>
             <a:ln>
               <a:noFill/>
@@ -5908,7 +7181,7 @@
               </a:pathLst>
             </a:custGeom>
             <a:solidFill>
-              <a:srgbClr val="FCCCCC"/>
+              <a:srgbClr val="F030BE"/>
             </a:solidFill>
             <a:ln>
               <a:noFill/>
@@ -6816,7 +8089,7 @@
               </a:pathLst>
             </a:custGeom>
             <a:solidFill>
-              <a:srgbClr val="CCFCFC"/>
+              <a:srgbClr val="00B050"/>
             </a:solidFill>
             <a:ln>
               <a:noFill/>
@@ -7562,7 +8835,7 @@
               </a:pathLst>
             </a:custGeom>
             <a:solidFill>
-              <a:srgbClr val="FCCC9A"/>
+              <a:schemeClr val="accent2"/>
             </a:solidFill>
             <a:ln>
               <a:noFill/>
@@ -8722,7 +9995,7 @@
               </a:pathLst>
             </a:custGeom>
             <a:solidFill>
-              <a:srgbClr val="FCCCFC"/>
+              <a:srgbClr val="FF0000"/>
             </a:solidFill>
             <a:ln>
               <a:noFill/>
@@ -9362,7 +10635,7 @@
               </a:pathLst>
             </a:custGeom>
             <a:solidFill>
-              <a:srgbClr val="FCFC99"/>
+              <a:schemeClr val="accent4"/>
             </a:solidFill>
             <a:ln>
               <a:noFill/>
@@ -10216,7 +11489,7 @@
               </a:pathLst>
             </a:custGeom>
             <a:solidFill>
-              <a:srgbClr val="CCFCCC"/>
+              <a:srgbClr val="00B0F0"/>
             </a:solidFill>
             <a:ln>
               <a:noFill/>
@@ -10287,7 +11560,7 @@
         </p:nvSpPr>
         <p:spPr>
           <a:xfrm>
-            <a:off x="10373176" y="1628394"/>
+            <a:off x="9735612" y="1910212"/>
             <a:ext cx="1041246" cy="307777"/>
           </a:xfrm>
           <a:prstGeom prst="rect">
@@ -10307,7 +11580,7 @@
           <a:p>
             <a:pPr algn="ctr"/>
             <a:r>
-              <a:rPr lang="th-TH" sz="1400" b="1" dirty="0">
+              <a:rPr lang="th-TH" sz="1400" dirty="0">
                 <a:ln w="10160">
                   <a:solidFill>
                     <a:srgbClr val="0070C0"/>
@@ -10324,7 +11597,7 @@
               <a:t>ปะทิว</a:t>
             </a:r>
             <a:r>
-              <a:rPr lang="en-US" sz="1400" b="1" dirty="0">
+              <a:rPr lang="en-US" sz="1400" dirty="0">
                 <a:ln w="10160">
                   <a:solidFill>
                     <a:srgbClr val="0070C0"/>
@@ -10341,7 +11614,7 @@
               <a:t> 48,346 </a:t>
             </a:r>
             <a:r>
-              <a:rPr lang="th-TH" sz="1400" b="1" dirty="0">
+              <a:rPr lang="th-TH" sz="1400" dirty="0">
                 <a:ln w="10160">
                   <a:solidFill>
                     <a:srgbClr val="0070C0"/>
@@ -10357,7 +11630,7 @@
               </a:rPr>
               <a:t>คน</a:t>
             </a:r>
-            <a:endParaRPr lang="en-US" sz="1400" b="1" dirty="0">
+            <a:endParaRPr lang="en-US" sz="1400" dirty="0">
               <a:ln w="10160">
                 <a:solidFill>
                   <a:srgbClr val="0070C0"/>
@@ -10388,7 +11661,7 @@
         </p:nvSpPr>
         <p:spPr>
           <a:xfrm>
-            <a:off x="9136777" y="1855158"/>
+            <a:off x="8499213" y="2136976"/>
             <a:ext cx="1066318" cy="307777"/>
           </a:xfrm>
           <a:prstGeom prst="rect">
@@ -10408,7 +11681,7 @@
           <a:p>
             <a:pPr algn="ctr"/>
             <a:r>
-              <a:rPr lang="th-TH" sz="1400" b="1" dirty="0">
+              <a:rPr lang="th-TH" sz="1400" dirty="0">
                 <a:ln w="10160">
                   <a:solidFill>
                     <a:srgbClr val="0070C0"/>
@@ -10424,7 +11697,7 @@
               </a:rPr>
               <a:t>ท่าแซะ 86,062 คน</a:t>
             </a:r>
-            <a:endParaRPr lang="en-US" sz="1400" b="1" dirty="0">
+            <a:endParaRPr lang="en-US" sz="1400" dirty="0">
               <a:ln w="10160">
                 <a:solidFill>
                   <a:srgbClr val="0070C0"/>
@@ -10443,607 +11716,771 @@
       </p:sp>
       <p:sp>
         <p:nvSpPr>
-          <p:cNvPr id="28" name="Subtitle 2">
+          <p:cNvPr id="27" name="สี่เหลี่ยมผืนผ้า 10">
             <a:extLst>
               <a:ext uri="{FF2B5EF4-FFF2-40B4-BE49-F238E27FC236}">
-                <a16:creationId xmlns:a16="http://schemas.microsoft.com/office/drawing/2014/main" id="{1CA9A23D-F460-4F81-A20E-B2BE3E3893B6}"/>
+                <a16:creationId xmlns:a16="http://schemas.microsoft.com/office/drawing/2014/main" id="{DC81E0F6-1E84-44AB-8B98-60746CFF1592}"/>
               </a:ext>
             </a:extLst>
           </p:cNvPr>
-          <p:cNvSpPr txBox="1">
-            <a:spLocks/>
-          </p:cNvSpPr>
+          <p:cNvSpPr/>
           <p:nvPr/>
         </p:nvSpPr>
         <p:spPr>
           <a:xfrm>
-            <a:off x="-8388" y="6335486"/>
-            <a:ext cx="12200192" cy="527479"/>
+            <a:off x="1441018" y="3549756"/>
+            <a:ext cx="5897179" cy="2905411"/>
           </a:xfrm>
           <a:prstGeom prst="rect">
             <a:avLst/>
           </a:prstGeom>
-          <a:gradFill>
-            <a:gsLst>
-              <a:gs pos="0">
-                <a:srgbClr val="0070C0"/>
-              </a:gs>
-              <a:gs pos="50000">
-                <a:srgbClr val="00B0F0"/>
-              </a:gs>
-              <a:gs pos="100000">
-                <a:srgbClr val="0070C0"/>
-              </a:gs>
-            </a:gsLst>
-          </a:gradFill>
-          <a:ln>
-            <a:noFill/>
-          </a:ln>
+          <a:noFill/>
         </p:spPr>
-        <p:style>
-          <a:lnRef idx="1">
-            <a:schemeClr val="accent6"/>
-          </a:lnRef>
-          <a:fillRef idx="2">
-            <a:schemeClr val="accent6"/>
-          </a:fillRef>
-          <a:effectRef idx="1">
-            <a:schemeClr val="accent6"/>
-          </a:effectRef>
-          <a:fontRef idx="minor">
-            <a:schemeClr val="dk1"/>
-          </a:fontRef>
-        </p:style>
         <p:txBody>
-          <a:bodyPr vert="horz" lIns="91440" tIns="45720" rIns="91440" bIns="182880" rtlCol="0" anchor="ctr">
-            <a:noAutofit/>
+          <a:bodyPr wrap="square">
+            <a:spAutoFit/>
+            <a:scene3d>
+              <a:camera prst="orthographicFront"/>
+              <a:lightRig rig="harsh" dir="t"/>
+            </a:scene3d>
+            <a:sp3d extrusionH="57150" prstMaterial="matte">
+              <a:bevelT w="63500" h="12700" prst="angle"/>
+              <a:contourClr>
+                <a:schemeClr val="bg1">
+                  <a:lumMod val="65000"/>
+                </a:schemeClr>
+              </a:contourClr>
+            </a:sp3d>
           </a:bodyPr>
-          <a:lstStyle>
-            <a:lvl1pPr marL="228600" indent="-228600" algn="l" defTabSz="914400" rtl="0" eaLnBrk="1" latinLnBrk="0" hangingPunct="1">
+          <a:lstStyle/>
+          <a:p>
+            <a:pPr defTabSz="442913">
               <a:lnSpc>
-                <a:spcPct val="120000"/>
+                <a:spcPct val="95000"/>
               </a:lnSpc>
-              <a:spcBef>
-                <a:spcPts val="1000"/>
-              </a:spcBef>
-              <a:buSzPct val="125000"/>
-              <a:buFont typeface="Arial" panose="020B0604020202020204" pitchFamily="34" charset="0"/>
+              <a:buFont typeface="Arial" pitchFamily="34" charset="0"/>
               <a:buChar char="•"/>
-              <a:defRPr sz="2400" kern="1200">
+              <a:defRPr/>
+            </a:pPr>
+            <a:endParaRPr lang="th-TH" sz="3200" b="1" dirty="0">
+              <a:ln>
                 <a:solidFill>
-                  <a:schemeClr val="tx1"/>
+                  <a:srgbClr val="002060"/>
                 </a:solidFill>
-                <a:latin typeface="+mn-lt"/>
-                <a:ea typeface="+mn-ea"/>
-                <a:cs typeface="+mn-cs"/>
-              </a:defRPr>
-            </a:lvl1pPr>
-            <a:lvl2pPr marL="685800" indent="-228600" algn="l" defTabSz="914400" rtl="0" eaLnBrk="1" latinLnBrk="0" hangingPunct="1">
+              </a:ln>
+              <a:solidFill>
+                <a:srgbClr val="002060"/>
+              </a:solidFill>
+              <a:effectLst>
+                <a:glow rad="63500">
+                  <a:schemeClr val="accent1">
+                    <a:lumMod val="60000"/>
+                    <a:lumOff val="40000"/>
+                    <a:alpha val="40000"/>
+                  </a:schemeClr>
+                </a:glow>
+              </a:effectLst>
+              <a:latin typeface="CordiaUPC" pitchFamily="34" charset="-34"/>
+              <a:cs typeface="+mj-cs"/>
+            </a:endParaRPr>
+          </a:p>
+          <a:p>
+            <a:pPr defTabSz="442913">
               <a:lnSpc>
-                <a:spcPct val="120000"/>
+                <a:spcPct val="95000"/>
               </a:lnSpc>
-              <a:spcBef>
-                <a:spcPts val="500"/>
-              </a:spcBef>
-              <a:buSzPct val="125000"/>
-              <a:buFont typeface="Arial" panose="020B0604020202020204" pitchFamily="34" charset="0"/>
+              <a:buFont typeface="Arial" pitchFamily="34" charset="0"/>
               <a:buChar char="•"/>
-              <a:defRPr sz="2000" kern="1200">
-                <a:solidFill>
-                  <a:schemeClr val="tx1"/>
-                </a:solidFill>
-                <a:latin typeface="+mn-lt"/>
-                <a:ea typeface="+mn-ea"/>
-                <a:cs typeface="+mn-cs"/>
-              </a:defRPr>
-            </a:lvl2pPr>
-            <a:lvl3pPr marL="1143000" indent="-228600" algn="l" defTabSz="914400" rtl="0" eaLnBrk="1" latinLnBrk="0" hangingPunct="1">
-              <a:lnSpc>
-                <a:spcPct val="120000"/>
-              </a:lnSpc>
-              <a:spcBef>
-                <a:spcPts val="500"/>
-              </a:spcBef>
-              <a:buSzPct val="125000"/>
-              <a:buFont typeface="Arial" panose="020B0604020202020204" pitchFamily="34" charset="0"/>
-              <a:buChar char="•"/>
-              <a:defRPr sz="1800" kern="1200">
-                <a:solidFill>
-                  <a:schemeClr val="tx1"/>
-                </a:solidFill>
-                <a:latin typeface="+mn-lt"/>
-                <a:ea typeface="+mn-ea"/>
-                <a:cs typeface="+mn-cs"/>
-              </a:defRPr>
-            </a:lvl3pPr>
-            <a:lvl4pPr marL="1600200" indent="-228600" algn="l" defTabSz="914400" rtl="0" eaLnBrk="1" latinLnBrk="0" hangingPunct="1">
-              <a:lnSpc>
-                <a:spcPct val="120000"/>
-              </a:lnSpc>
-              <a:spcBef>
-                <a:spcPts val="500"/>
-              </a:spcBef>
-              <a:buSzPct val="125000"/>
-              <a:buFont typeface="Arial" panose="020B0604020202020204" pitchFamily="34" charset="0"/>
-              <a:buChar char="•"/>
-              <a:defRPr sz="1600" kern="1200">
-                <a:solidFill>
-                  <a:schemeClr val="tx1"/>
-                </a:solidFill>
-                <a:latin typeface="+mn-lt"/>
-                <a:ea typeface="+mn-ea"/>
-                <a:cs typeface="+mn-cs"/>
-              </a:defRPr>
-            </a:lvl4pPr>
-            <a:lvl5pPr marL="2057400" indent="-228600" algn="l" defTabSz="914400" rtl="0" eaLnBrk="1" latinLnBrk="0" hangingPunct="1">
-              <a:lnSpc>
-                <a:spcPct val="120000"/>
-              </a:lnSpc>
-              <a:spcBef>
-                <a:spcPts val="500"/>
-              </a:spcBef>
-              <a:buSzPct val="125000"/>
-              <a:buFont typeface="Arial" panose="020B0604020202020204" pitchFamily="34" charset="0"/>
-              <a:buChar char="•"/>
-              <a:defRPr sz="1600" kern="1200">
-                <a:solidFill>
-                  <a:schemeClr val="tx1"/>
-                </a:solidFill>
-                <a:latin typeface="+mn-lt"/>
-                <a:ea typeface="+mn-ea"/>
-                <a:cs typeface="+mn-cs"/>
-              </a:defRPr>
-            </a:lvl5pPr>
-            <a:lvl6pPr marL="2514600" indent="-228600" algn="l" defTabSz="914400" rtl="0" eaLnBrk="1" latinLnBrk="0" hangingPunct="1">
-              <a:lnSpc>
-                <a:spcPct val="120000"/>
-              </a:lnSpc>
-              <a:spcBef>
-                <a:spcPts val="500"/>
-              </a:spcBef>
-              <a:buSzPct val="125000"/>
-              <a:buFont typeface="Arial" panose="020B0604020202020204" pitchFamily="34" charset="0"/>
-              <a:buChar char="•"/>
-              <a:defRPr sz="1400" kern="1200">
-                <a:solidFill>
-                  <a:schemeClr val="tx1"/>
-                </a:solidFill>
-                <a:latin typeface="+mn-lt"/>
-                <a:ea typeface="+mn-ea"/>
-                <a:cs typeface="+mn-cs"/>
-              </a:defRPr>
-            </a:lvl6pPr>
-            <a:lvl7pPr marL="2971800" indent="-228600" algn="l" defTabSz="914400" rtl="0" eaLnBrk="1" latinLnBrk="0" hangingPunct="1">
-              <a:lnSpc>
-                <a:spcPct val="120000"/>
-              </a:lnSpc>
-              <a:spcBef>
-                <a:spcPts val="500"/>
-              </a:spcBef>
-              <a:buSzPct val="125000"/>
-              <a:buFont typeface="Arial" panose="020B0604020202020204" pitchFamily="34" charset="0"/>
-              <a:buChar char="•"/>
-              <a:defRPr sz="1400" kern="1200">
-                <a:solidFill>
-                  <a:schemeClr val="tx1"/>
-                </a:solidFill>
-                <a:latin typeface="+mn-lt"/>
-                <a:ea typeface="+mn-ea"/>
-                <a:cs typeface="+mn-cs"/>
-              </a:defRPr>
-            </a:lvl7pPr>
-            <a:lvl8pPr marL="3429000" indent="-228600" algn="l" defTabSz="914400" rtl="0" eaLnBrk="1" latinLnBrk="0" hangingPunct="1">
-              <a:lnSpc>
-                <a:spcPct val="120000"/>
-              </a:lnSpc>
-              <a:spcBef>
-                <a:spcPts val="500"/>
-              </a:spcBef>
-              <a:buSzPct val="125000"/>
-              <a:buFont typeface="Arial" panose="020B0604020202020204" pitchFamily="34" charset="0"/>
-              <a:buChar char="•"/>
-              <a:defRPr sz="1400" kern="1200">
-                <a:solidFill>
-                  <a:schemeClr val="tx1"/>
-                </a:solidFill>
-                <a:latin typeface="+mn-lt"/>
-                <a:ea typeface="+mn-ea"/>
-                <a:cs typeface="+mn-cs"/>
-              </a:defRPr>
-            </a:lvl8pPr>
-            <a:lvl9pPr marL="3886200" indent="-228600" algn="l" defTabSz="914400" rtl="0" eaLnBrk="1" latinLnBrk="0" hangingPunct="1">
-              <a:lnSpc>
-                <a:spcPct val="120000"/>
-              </a:lnSpc>
-              <a:spcBef>
-                <a:spcPts val="500"/>
-              </a:spcBef>
-              <a:buSzPct val="125000"/>
-              <a:buFont typeface="Arial" panose="020B0604020202020204" pitchFamily="34" charset="0"/>
-              <a:buChar char="•"/>
-              <a:defRPr sz="1400" kern="1200">
-                <a:solidFill>
-                  <a:schemeClr val="tx1"/>
-                </a:solidFill>
-                <a:latin typeface="+mn-lt"/>
-                <a:ea typeface="+mn-ea"/>
-                <a:cs typeface="+mn-cs"/>
-              </a:defRPr>
-            </a:lvl9pPr>
-          </a:lstStyle>
-          <a:p>
-            <a:pPr marL="0" indent="0" algn="ctr">
-              <a:buNone/>
+              <a:defRPr/>
             </a:pPr>
             <a:r>
-              <a:rPr lang="th-TH" sz="2800" dirty="0">
+              <a:rPr lang="en-US" sz="3200" b="1" dirty="0">
                 <a:ln>
                   <a:solidFill>
-                    <a:schemeClr val="bg1"/>
+                    <a:srgbClr val="0070C0"/>
                   </a:solidFill>
                 </a:ln>
                 <a:solidFill>
-                  <a:schemeClr val="bg1"/>
+                  <a:srgbClr val="0070C0"/>
                 </a:solidFill>
                 <a:effectLst>
                   <a:glow rad="63500">
-                    <a:srgbClr val="0070C0">
+                    <a:schemeClr val="accent1">
+                      <a:lumMod val="60000"/>
+                      <a:lumOff val="40000"/>
                       <a:alpha val="40000"/>
-                    </a:srgbClr>
+                    </a:schemeClr>
                   </a:glow>
-                  <a:outerShdw blurRad="38100" dist="38100" dir="2700000" algn="tl">
-                    <a:srgbClr val="000000">
-                      <a:alpha val="43137"/>
-                    </a:srgbClr>
-                  </a:outerShdw>
                 </a:effectLst>
                 <a:latin typeface="CordiaUPC" pitchFamily="34" charset="-34"/>
                 <a:cs typeface="+mj-cs"/>
               </a:rPr>
-              <a:t>สำนักงานสาธารณสุขจังหวัดชุมพร</a:t>
+              <a:t> </a:t>
             </a:r>
-            <a:endParaRPr lang="en-US" sz="2800" b="1" dirty="0">
+            <a:r>
+              <a:rPr lang="th-TH" sz="3200" b="1" dirty="0">
+                <a:ln>
+                  <a:solidFill>
+                    <a:srgbClr val="0070C0"/>
+                  </a:solidFill>
+                </a:ln>
+                <a:solidFill>
+                  <a:srgbClr val="0070C0"/>
+                </a:solidFill>
+                <a:effectLst>
+                  <a:glow rad="63500">
+                    <a:schemeClr val="accent1">
+                      <a:lumMod val="60000"/>
+                      <a:lumOff val="40000"/>
+                      <a:alpha val="40000"/>
+                    </a:schemeClr>
+                  </a:glow>
+                </a:effectLst>
+                <a:latin typeface="CordiaUPC" pitchFamily="34" charset="-34"/>
+                <a:cs typeface="+mj-cs"/>
+              </a:rPr>
+              <a:t>พื้นที่  </a:t>
+            </a:r>
+            <a:r>
+              <a:rPr lang="en-US" sz="3200" b="1" dirty="0">
+                <a:ln>
+                  <a:solidFill>
+                    <a:srgbClr val="0070C0"/>
+                  </a:solidFill>
+                </a:ln>
+                <a:solidFill>
+                  <a:srgbClr val="0070C0"/>
+                </a:solidFill>
+                <a:effectLst>
+                  <a:glow rad="63500">
+                    <a:schemeClr val="accent1">
+                      <a:lumMod val="60000"/>
+                      <a:lumOff val="40000"/>
+                      <a:alpha val="40000"/>
+                    </a:schemeClr>
+                  </a:glow>
+                </a:effectLst>
+                <a:latin typeface="CordiaUPC" pitchFamily="34" charset="-34"/>
+                <a:cs typeface="+mj-cs"/>
+              </a:rPr>
+              <a:t>6,010</a:t>
+            </a:r>
+            <a:r>
+              <a:rPr lang="th-TH" sz="3200" b="1" dirty="0">
+                <a:ln>
+                  <a:solidFill>
+                    <a:srgbClr val="0070C0"/>
+                  </a:solidFill>
+                </a:ln>
+                <a:solidFill>
+                  <a:srgbClr val="0070C0"/>
+                </a:solidFill>
+                <a:effectLst>
+                  <a:glow rad="63500">
+                    <a:schemeClr val="accent1">
+                      <a:lumMod val="60000"/>
+                      <a:lumOff val="40000"/>
+                      <a:alpha val="40000"/>
+                    </a:schemeClr>
+                  </a:glow>
+                </a:effectLst>
+                <a:latin typeface="CordiaUPC" pitchFamily="34" charset="-34"/>
+                <a:cs typeface="+mj-cs"/>
+              </a:rPr>
+              <a:t>  ตารางกิโลเมตร </a:t>
+            </a:r>
+          </a:p>
+          <a:p>
+            <a:pPr defTabSz="442913">
+              <a:lnSpc>
+                <a:spcPct val="95000"/>
+              </a:lnSpc>
+              <a:buFont typeface="Arial" pitchFamily="34" charset="0"/>
+              <a:buChar char="•"/>
+              <a:defRPr/>
+            </a:pPr>
+            <a:r>
+              <a:rPr lang="en-US" sz="3200" b="1" dirty="0">
+                <a:ln>
+                  <a:solidFill>
+                    <a:srgbClr val="0070C0"/>
+                  </a:solidFill>
+                </a:ln>
+                <a:solidFill>
+                  <a:srgbClr val="0070C0"/>
+                </a:solidFill>
+                <a:effectLst>
+                  <a:glow rad="63500">
+                    <a:schemeClr val="accent1">
+                      <a:lumMod val="60000"/>
+                      <a:lumOff val="40000"/>
+                      <a:alpha val="40000"/>
+                    </a:schemeClr>
+                  </a:glow>
+                </a:effectLst>
+                <a:latin typeface="CordiaUPC" pitchFamily="34" charset="-34"/>
+                <a:cs typeface="+mj-cs"/>
+              </a:rPr>
+              <a:t> </a:t>
+            </a:r>
+            <a:r>
+              <a:rPr lang="th-TH" sz="3200" b="1" dirty="0">
+                <a:ln>
+                  <a:solidFill>
+                    <a:srgbClr val="0070C0"/>
+                  </a:solidFill>
+                </a:ln>
+                <a:solidFill>
+                  <a:srgbClr val="0070C0"/>
+                </a:solidFill>
+                <a:effectLst>
+                  <a:glow rad="63500">
+                    <a:schemeClr val="accent1">
+                      <a:lumMod val="60000"/>
+                      <a:lumOff val="40000"/>
+                      <a:alpha val="40000"/>
+                    </a:schemeClr>
+                  </a:glow>
+                </a:effectLst>
+                <a:latin typeface="CordiaUPC" pitchFamily="34" charset="-34"/>
+                <a:cs typeface="+mj-cs"/>
+              </a:rPr>
+              <a:t>(ชายทะเลยาว </a:t>
+            </a:r>
+            <a:r>
+              <a:rPr lang="en-US" sz="3200" b="1" dirty="0">
+                <a:ln>
+                  <a:solidFill>
+                    <a:srgbClr val="0070C0"/>
+                  </a:solidFill>
+                </a:ln>
+                <a:solidFill>
+                  <a:srgbClr val="0070C0"/>
+                </a:solidFill>
+                <a:effectLst>
+                  <a:glow rad="63500">
+                    <a:schemeClr val="accent1">
+                      <a:lumMod val="60000"/>
+                      <a:lumOff val="40000"/>
+                      <a:alpha val="40000"/>
+                    </a:schemeClr>
+                  </a:glow>
+                </a:effectLst>
+                <a:latin typeface="CordiaUPC" pitchFamily="34" charset="-34"/>
+                <a:cs typeface="+mj-cs"/>
+              </a:rPr>
+              <a:t>220</a:t>
+            </a:r>
+            <a:r>
+              <a:rPr lang="th-TH" sz="3200" b="1" dirty="0">
+                <a:ln>
+                  <a:solidFill>
+                    <a:srgbClr val="0070C0"/>
+                  </a:solidFill>
+                </a:ln>
+                <a:solidFill>
+                  <a:srgbClr val="0070C0"/>
+                </a:solidFill>
+                <a:effectLst>
+                  <a:glow rad="63500">
+                    <a:schemeClr val="accent1">
+                      <a:lumMod val="60000"/>
+                      <a:lumOff val="40000"/>
+                      <a:alpha val="40000"/>
+                    </a:schemeClr>
+                  </a:glow>
+                </a:effectLst>
+                <a:latin typeface="CordiaUPC" pitchFamily="34" charset="-34"/>
+                <a:cs typeface="+mj-cs"/>
+              </a:rPr>
+              <a:t>กม.)         </a:t>
+            </a:r>
+          </a:p>
+          <a:p>
+            <a:pPr defTabSz="442913">
+              <a:lnSpc>
+                <a:spcPct val="95000"/>
+              </a:lnSpc>
+              <a:buFont typeface="Arial" pitchFamily="34" charset="0"/>
+              <a:buChar char="•"/>
+              <a:defRPr/>
+            </a:pPr>
+            <a:r>
+              <a:rPr lang="en-US" sz="3200" b="1" dirty="0">
+                <a:ln>
+                  <a:solidFill>
+                    <a:srgbClr val="0070C0"/>
+                  </a:solidFill>
+                </a:ln>
+                <a:solidFill>
+                  <a:srgbClr val="0070C0"/>
+                </a:solidFill>
+                <a:effectLst>
+                  <a:glow rad="63500">
+                    <a:schemeClr val="accent1">
+                      <a:lumMod val="60000"/>
+                      <a:lumOff val="40000"/>
+                      <a:alpha val="40000"/>
+                    </a:schemeClr>
+                  </a:glow>
+                </a:effectLst>
+                <a:latin typeface="CordiaUPC" pitchFamily="34" charset="-34"/>
+                <a:cs typeface="+mj-cs"/>
+              </a:rPr>
+              <a:t> </a:t>
+            </a:r>
+            <a:r>
+              <a:rPr lang="th-TH" sz="3200" b="1" dirty="0">
+                <a:ln>
+                  <a:solidFill>
+                    <a:srgbClr val="0070C0"/>
+                  </a:solidFill>
+                </a:ln>
+                <a:solidFill>
+                  <a:srgbClr val="0070C0"/>
+                </a:solidFill>
+                <a:effectLst>
+                  <a:glow rad="63500">
+                    <a:schemeClr val="accent1">
+                      <a:lumMod val="60000"/>
+                      <a:lumOff val="40000"/>
+                      <a:alpha val="40000"/>
+                    </a:schemeClr>
+                  </a:glow>
+                </a:effectLst>
+                <a:latin typeface="CordiaUPC" pitchFamily="34" charset="-34"/>
+                <a:cs typeface="+mj-cs"/>
+              </a:rPr>
+              <a:t>ประชากร  </a:t>
+            </a:r>
+            <a:r>
+              <a:rPr lang="en-US" sz="3200" b="1" dirty="0">
+                <a:ln>
+                  <a:solidFill>
+                    <a:srgbClr val="0070C0"/>
+                  </a:solidFill>
+                </a:ln>
+                <a:solidFill>
+                  <a:srgbClr val="0070C0"/>
+                </a:solidFill>
+                <a:effectLst>
+                  <a:glow rad="63500">
+                    <a:schemeClr val="accent1">
+                      <a:lumMod val="60000"/>
+                      <a:lumOff val="40000"/>
+                      <a:alpha val="40000"/>
+                    </a:schemeClr>
+                  </a:glow>
+                </a:effectLst>
+                <a:latin typeface="CordiaUPC" pitchFamily="34" charset="-34"/>
+                <a:cs typeface="+mj-cs"/>
+              </a:rPr>
+              <a:t>509,650 </a:t>
+            </a:r>
+            <a:r>
+              <a:rPr lang="th-TH" sz="3200" b="1" dirty="0">
+                <a:ln>
+                  <a:solidFill>
+                    <a:srgbClr val="0070C0"/>
+                  </a:solidFill>
+                </a:ln>
+                <a:solidFill>
+                  <a:srgbClr val="0070C0"/>
+                </a:solidFill>
+                <a:effectLst>
+                  <a:glow rad="63500">
+                    <a:schemeClr val="accent1">
+                      <a:lumMod val="60000"/>
+                      <a:lumOff val="40000"/>
+                      <a:alpha val="40000"/>
+                    </a:schemeClr>
+                  </a:glow>
+                </a:effectLst>
+                <a:latin typeface="CordiaUPC" pitchFamily="34" charset="-34"/>
+                <a:cs typeface="+mj-cs"/>
+              </a:rPr>
+              <a:t>คน</a:t>
+            </a:r>
+            <a:r>
+              <a:rPr lang="en-US" sz="3200" b="1" dirty="0">
+                <a:ln>
+                  <a:solidFill>
+                    <a:srgbClr val="0070C0"/>
+                  </a:solidFill>
+                </a:ln>
+                <a:solidFill>
+                  <a:srgbClr val="0070C0"/>
+                </a:solidFill>
+                <a:effectLst>
+                  <a:glow rad="63500">
+                    <a:schemeClr val="accent1">
+                      <a:lumMod val="60000"/>
+                      <a:lumOff val="40000"/>
+                      <a:alpha val="40000"/>
+                    </a:schemeClr>
+                  </a:glow>
+                </a:effectLst>
+                <a:latin typeface="CordiaUPC" pitchFamily="34" charset="-34"/>
+                <a:cs typeface="+mj-cs"/>
+              </a:rPr>
+              <a:t> </a:t>
+            </a:r>
+            <a:r>
+              <a:rPr lang="th-TH" sz="3200" b="1" dirty="0">
+                <a:ln>
+                  <a:solidFill>
+                    <a:srgbClr val="0070C0"/>
+                  </a:solidFill>
+                </a:ln>
+                <a:solidFill>
+                  <a:srgbClr val="0070C0"/>
+                </a:solidFill>
+                <a:effectLst>
+                  <a:glow rad="63500">
+                    <a:schemeClr val="accent1">
+                      <a:lumMod val="60000"/>
+                      <a:lumOff val="40000"/>
+                      <a:alpha val="40000"/>
+                    </a:schemeClr>
+                  </a:glow>
+                </a:effectLst>
+                <a:latin typeface="CordiaUPC" pitchFamily="34" charset="-34"/>
+                <a:cs typeface="+mj-cs"/>
+              </a:rPr>
+              <a:t>(</a:t>
+            </a:r>
+            <a:r>
+              <a:rPr lang="en-US" sz="3200" b="1" dirty="0">
+                <a:ln>
+                  <a:solidFill>
+                    <a:srgbClr val="0070C0"/>
+                  </a:solidFill>
+                </a:ln>
+                <a:solidFill>
+                  <a:srgbClr val="0070C0"/>
+                </a:solidFill>
+                <a:effectLst>
+                  <a:glow rad="63500">
+                    <a:schemeClr val="accent1">
+                      <a:lumMod val="60000"/>
+                      <a:lumOff val="40000"/>
+                      <a:alpha val="40000"/>
+                    </a:schemeClr>
+                  </a:glow>
+                </a:effectLst>
+                <a:latin typeface="CordiaUPC" pitchFamily="34" charset="-34"/>
+                <a:cs typeface="+mj-cs"/>
+              </a:rPr>
+              <a:t>HDC </a:t>
+            </a:r>
+            <a:r>
+              <a:rPr lang="th-TH" sz="3200" b="1" dirty="0">
+                <a:ln>
+                  <a:solidFill>
+                    <a:srgbClr val="0070C0"/>
+                  </a:solidFill>
+                </a:ln>
+                <a:solidFill>
+                  <a:srgbClr val="0070C0"/>
+                </a:solidFill>
+                <a:effectLst>
+                  <a:glow rad="63500">
+                    <a:schemeClr val="accent1">
+                      <a:lumMod val="60000"/>
+                      <a:lumOff val="40000"/>
+                      <a:alpha val="40000"/>
+                    </a:schemeClr>
+                  </a:glow>
+                </a:effectLst>
+                <a:latin typeface="CordiaUPC" pitchFamily="34" charset="-34"/>
+                <a:cs typeface="+mj-cs"/>
+              </a:rPr>
+              <a:t>ธันวาคม </a:t>
+            </a:r>
+            <a:r>
+              <a:rPr lang="en-US" sz="3200" b="1" dirty="0">
+                <a:ln>
+                  <a:solidFill>
+                    <a:srgbClr val="0070C0"/>
+                  </a:solidFill>
+                </a:ln>
+                <a:solidFill>
+                  <a:srgbClr val="0070C0"/>
+                </a:solidFill>
+                <a:effectLst>
+                  <a:glow rad="63500">
+                    <a:schemeClr val="accent1">
+                      <a:lumMod val="60000"/>
+                      <a:lumOff val="40000"/>
+                      <a:alpha val="40000"/>
+                    </a:schemeClr>
+                  </a:glow>
+                </a:effectLst>
+                <a:latin typeface="CordiaUPC" pitchFamily="34" charset="-34"/>
+                <a:cs typeface="+mj-cs"/>
+              </a:rPr>
+              <a:t>2561</a:t>
+            </a:r>
+            <a:r>
+              <a:rPr lang="th-TH" sz="3200" b="1" dirty="0">
+                <a:ln>
+                  <a:solidFill>
+                    <a:srgbClr val="0070C0"/>
+                  </a:solidFill>
+                </a:ln>
+                <a:solidFill>
+                  <a:srgbClr val="0070C0"/>
+                </a:solidFill>
+                <a:effectLst>
+                  <a:glow rad="63500">
+                    <a:schemeClr val="accent1">
+                      <a:lumMod val="60000"/>
+                      <a:lumOff val="40000"/>
+                      <a:alpha val="40000"/>
+                    </a:schemeClr>
+                  </a:glow>
+                </a:effectLst>
+                <a:latin typeface="CordiaUPC" pitchFamily="34" charset="-34"/>
+                <a:cs typeface="+mj-cs"/>
+              </a:rPr>
+              <a:t>) </a:t>
+            </a:r>
+          </a:p>
+          <a:p>
+            <a:pPr defTabSz="442913">
+              <a:lnSpc>
+                <a:spcPct val="95000"/>
+              </a:lnSpc>
+              <a:buFont typeface="Arial" pitchFamily="34" charset="0"/>
+              <a:buChar char="•"/>
+              <a:defRPr/>
+            </a:pPr>
+            <a:r>
+              <a:rPr lang="en-US" sz="3200" b="1" dirty="0">
+                <a:ln>
+                  <a:solidFill>
+                    <a:srgbClr val="0070C0"/>
+                  </a:solidFill>
+                </a:ln>
+                <a:solidFill>
+                  <a:srgbClr val="0070C0"/>
+                </a:solidFill>
+                <a:effectLst>
+                  <a:glow rad="63500">
+                    <a:schemeClr val="accent1">
+                      <a:lumMod val="60000"/>
+                      <a:lumOff val="40000"/>
+                      <a:alpha val="40000"/>
+                    </a:schemeClr>
+                  </a:glow>
+                </a:effectLst>
+                <a:latin typeface="CordiaUPC" pitchFamily="34" charset="-34"/>
+                <a:cs typeface="+mj-cs"/>
+              </a:rPr>
+              <a:t> </a:t>
+            </a:r>
+            <a:r>
+              <a:rPr lang="th-TH" sz="3200" b="1" dirty="0">
+                <a:ln>
+                  <a:solidFill>
+                    <a:srgbClr val="0070C0"/>
+                  </a:solidFill>
+                </a:ln>
+                <a:solidFill>
+                  <a:srgbClr val="0070C0"/>
+                </a:solidFill>
+                <a:effectLst>
+                  <a:glow rad="63500">
+                    <a:schemeClr val="accent1">
+                      <a:lumMod val="60000"/>
+                      <a:lumOff val="40000"/>
+                      <a:alpha val="40000"/>
+                    </a:schemeClr>
+                  </a:glow>
+                </a:effectLst>
+                <a:latin typeface="CordiaUPC" pitchFamily="34" charset="-34"/>
+                <a:cs typeface="+mj-cs"/>
+              </a:rPr>
+              <a:t>ประกอบด้วย </a:t>
+            </a:r>
+            <a:r>
+              <a:rPr lang="en-US" sz="3200" b="1" dirty="0">
+                <a:ln>
+                  <a:solidFill>
+                    <a:srgbClr val="0070C0"/>
+                  </a:solidFill>
+                </a:ln>
+                <a:solidFill>
+                  <a:srgbClr val="0070C0"/>
+                </a:solidFill>
+                <a:effectLst>
+                  <a:glow rad="63500">
+                    <a:schemeClr val="accent1">
+                      <a:lumMod val="60000"/>
+                      <a:lumOff val="40000"/>
+                      <a:alpha val="40000"/>
+                    </a:schemeClr>
+                  </a:glow>
+                </a:effectLst>
+                <a:latin typeface="CordiaUPC" pitchFamily="34" charset="-34"/>
+                <a:cs typeface="+mj-cs"/>
+              </a:rPr>
+              <a:t>8 </a:t>
+            </a:r>
+            <a:r>
+              <a:rPr lang="th-TH" sz="3200" b="1" dirty="0">
+                <a:ln>
+                  <a:solidFill>
+                    <a:srgbClr val="0070C0"/>
+                  </a:solidFill>
+                </a:ln>
+                <a:solidFill>
+                  <a:srgbClr val="0070C0"/>
+                </a:solidFill>
+                <a:effectLst>
+                  <a:glow rad="63500">
+                    <a:schemeClr val="accent1">
+                      <a:lumMod val="60000"/>
+                      <a:lumOff val="40000"/>
+                      <a:alpha val="40000"/>
+                    </a:schemeClr>
+                  </a:glow>
+                </a:effectLst>
+                <a:latin typeface="CordiaUPC" pitchFamily="34" charset="-34"/>
+                <a:cs typeface="+mj-cs"/>
+              </a:rPr>
+              <a:t>อำเภอ </a:t>
+            </a:r>
+            <a:r>
+              <a:rPr lang="en-US" sz="3200" b="1" dirty="0">
+                <a:ln>
+                  <a:solidFill>
+                    <a:srgbClr val="0070C0"/>
+                  </a:solidFill>
+                </a:ln>
+                <a:solidFill>
+                  <a:srgbClr val="0070C0"/>
+                </a:solidFill>
+                <a:effectLst>
+                  <a:glow rad="63500">
+                    <a:schemeClr val="accent1">
+                      <a:lumMod val="60000"/>
+                      <a:lumOff val="40000"/>
+                      <a:alpha val="40000"/>
+                    </a:schemeClr>
+                  </a:glow>
+                </a:effectLst>
+                <a:latin typeface="CordiaUPC" pitchFamily="34" charset="-34"/>
+                <a:cs typeface="+mj-cs"/>
+              </a:rPr>
+              <a:t>70 </a:t>
+            </a:r>
+            <a:r>
+              <a:rPr lang="th-TH" sz="3200" b="1" dirty="0">
+                <a:ln>
+                  <a:solidFill>
+                    <a:srgbClr val="0070C0"/>
+                  </a:solidFill>
+                </a:ln>
+                <a:solidFill>
+                  <a:srgbClr val="0070C0"/>
+                </a:solidFill>
+                <a:effectLst>
+                  <a:glow rad="63500">
+                    <a:schemeClr val="accent1">
+                      <a:lumMod val="60000"/>
+                      <a:lumOff val="40000"/>
+                      <a:alpha val="40000"/>
+                    </a:schemeClr>
+                  </a:glow>
+                </a:effectLst>
+                <a:latin typeface="CordiaUPC" pitchFamily="34" charset="-34"/>
+                <a:cs typeface="+mj-cs"/>
+              </a:rPr>
+              <a:t>ตำบล </a:t>
+            </a:r>
+            <a:r>
+              <a:rPr lang="en-US" sz="3200" b="1" dirty="0">
+                <a:ln>
+                  <a:solidFill>
+                    <a:srgbClr val="0070C0"/>
+                  </a:solidFill>
+                </a:ln>
+                <a:solidFill>
+                  <a:srgbClr val="0070C0"/>
+                </a:solidFill>
+                <a:effectLst>
+                  <a:glow rad="63500">
+                    <a:schemeClr val="accent1">
+                      <a:lumMod val="60000"/>
+                      <a:lumOff val="40000"/>
+                      <a:alpha val="40000"/>
+                    </a:schemeClr>
+                  </a:glow>
+                </a:effectLst>
+                <a:latin typeface="CordiaUPC" pitchFamily="34" charset="-34"/>
+                <a:cs typeface="+mj-cs"/>
+              </a:rPr>
+              <a:t>743 </a:t>
+            </a:r>
+            <a:r>
+              <a:rPr lang="th-TH" sz="3200" b="1" dirty="0">
+                <a:ln>
+                  <a:solidFill>
+                    <a:srgbClr val="0070C0"/>
+                  </a:solidFill>
+                </a:ln>
+                <a:solidFill>
+                  <a:srgbClr val="0070C0"/>
+                </a:solidFill>
+                <a:effectLst>
+                  <a:glow rad="63500">
+                    <a:schemeClr val="accent1">
+                      <a:lumMod val="60000"/>
+                      <a:lumOff val="40000"/>
+                      <a:alpha val="40000"/>
+                    </a:schemeClr>
+                  </a:glow>
+                </a:effectLst>
+                <a:latin typeface="CordiaUPC" pitchFamily="34" charset="-34"/>
+                <a:cs typeface="+mj-cs"/>
+              </a:rPr>
+              <a:t>ตำบล</a:t>
+            </a:r>
+          </a:p>
+          <a:p>
+            <a:pPr defTabSz="442913">
+              <a:lnSpc>
+                <a:spcPct val="95000"/>
+              </a:lnSpc>
+              <a:buFont typeface="Arial" pitchFamily="34" charset="0"/>
+              <a:buChar char="•"/>
+              <a:defRPr/>
+            </a:pPr>
+            <a:endParaRPr lang="th-TH" sz="3200" b="1" dirty="0">
               <a:ln>
                 <a:solidFill>
-                  <a:schemeClr val="bg1"/>
+                  <a:srgbClr val="002060"/>
                 </a:solidFill>
               </a:ln>
               <a:solidFill>
-                <a:schemeClr val="bg1"/>
+                <a:srgbClr val="002060"/>
               </a:solidFill>
               <a:effectLst>
                 <a:glow rad="63500">
-                  <a:srgbClr val="0070C0">
+                  <a:schemeClr val="accent1">
+                    <a:lumMod val="60000"/>
+                    <a:lumOff val="40000"/>
                     <a:alpha val="40000"/>
-                  </a:srgbClr>
+                  </a:schemeClr>
                 </a:glow>
-                <a:outerShdw blurRad="38100" dist="38100" dir="2700000" algn="tl">
-                  <a:srgbClr val="000000">
-                    <a:alpha val="43137"/>
-                  </a:srgbClr>
-                </a:outerShdw>
               </a:effectLst>
+              <a:latin typeface="CordiaUPC" pitchFamily="34" charset="-34"/>
               <a:cs typeface="+mj-cs"/>
             </a:endParaRPr>
           </a:p>
         </p:txBody>
       </p:sp>
-      <p:sp>
-        <p:nvSpPr>
-          <p:cNvPr id="29" name="Subtitle 2">
-            <a:extLst>
-              <a:ext uri="{FF2B5EF4-FFF2-40B4-BE49-F238E27FC236}">
-                <a16:creationId xmlns:a16="http://schemas.microsoft.com/office/drawing/2014/main" id="{41D216A3-A028-4A37-8420-1BCD04055E6B}"/>
-              </a:ext>
-            </a:extLst>
-          </p:cNvPr>
-          <p:cNvSpPr txBox="1">
-            <a:spLocks/>
-          </p:cNvSpPr>
-          <p:nvPr/>
-        </p:nvSpPr>
-        <p:spPr>
-          <a:xfrm>
-            <a:off x="4047" y="-60412"/>
-            <a:ext cx="12200192" cy="853513"/>
-          </a:xfrm>
-          <a:prstGeom prst="rect">
-            <a:avLst/>
-          </a:prstGeom>
-          <a:gradFill>
-            <a:gsLst>
-              <a:gs pos="0">
-                <a:srgbClr val="0070C0"/>
-              </a:gs>
-              <a:gs pos="50000">
-                <a:srgbClr val="00B0F0"/>
-              </a:gs>
-              <a:gs pos="100000">
-                <a:srgbClr val="0070C0"/>
-              </a:gs>
-            </a:gsLst>
-          </a:gradFill>
-          <a:ln>
-            <a:noFill/>
-          </a:ln>
-        </p:spPr>
-        <p:style>
-          <a:lnRef idx="1">
-            <a:schemeClr val="accent6"/>
-          </a:lnRef>
-          <a:fillRef idx="2">
-            <a:schemeClr val="accent6"/>
-          </a:fillRef>
-          <a:effectRef idx="1">
-            <a:schemeClr val="accent6"/>
-          </a:effectRef>
-          <a:fontRef idx="minor">
-            <a:schemeClr val="dk1"/>
-          </a:fontRef>
-        </p:style>
-        <p:txBody>
-          <a:bodyPr vert="horz" lIns="91440" tIns="91440" rIns="91440" bIns="91440" rtlCol="0" anchor="ctr">
-            <a:noAutofit/>
-          </a:bodyPr>
-          <a:lstStyle>
-            <a:lvl1pPr marL="228600" indent="-228600" algn="l" defTabSz="914400" rtl="0" eaLnBrk="1" latinLnBrk="0" hangingPunct="1">
-              <a:lnSpc>
-                <a:spcPct val="120000"/>
-              </a:lnSpc>
-              <a:spcBef>
-                <a:spcPts val="1000"/>
-              </a:spcBef>
-              <a:buSzPct val="125000"/>
-              <a:buFont typeface="Arial" panose="020B0604020202020204" pitchFamily="34" charset="0"/>
-              <a:buChar char="•"/>
-              <a:defRPr sz="2400" kern="1200">
-                <a:solidFill>
-                  <a:schemeClr val="tx1"/>
-                </a:solidFill>
-                <a:latin typeface="+mn-lt"/>
-                <a:ea typeface="+mn-ea"/>
-                <a:cs typeface="+mn-cs"/>
-              </a:defRPr>
-            </a:lvl1pPr>
-            <a:lvl2pPr marL="685800" indent="-228600" algn="l" defTabSz="914400" rtl="0" eaLnBrk="1" latinLnBrk="0" hangingPunct="1">
-              <a:lnSpc>
-                <a:spcPct val="120000"/>
-              </a:lnSpc>
-              <a:spcBef>
-                <a:spcPts val="500"/>
-              </a:spcBef>
-              <a:buSzPct val="125000"/>
-              <a:buFont typeface="Arial" panose="020B0604020202020204" pitchFamily="34" charset="0"/>
-              <a:buChar char="•"/>
-              <a:defRPr sz="2000" kern="1200">
-                <a:solidFill>
-                  <a:schemeClr val="tx1"/>
-                </a:solidFill>
-                <a:latin typeface="+mn-lt"/>
-                <a:ea typeface="+mn-ea"/>
-                <a:cs typeface="+mn-cs"/>
-              </a:defRPr>
-            </a:lvl2pPr>
-            <a:lvl3pPr marL="1143000" indent="-228600" algn="l" defTabSz="914400" rtl="0" eaLnBrk="1" latinLnBrk="0" hangingPunct="1">
-              <a:lnSpc>
-                <a:spcPct val="120000"/>
-              </a:lnSpc>
-              <a:spcBef>
-                <a:spcPts val="500"/>
-              </a:spcBef>
-              <a:buSzPct val="125000"/>
-              <a:buFont typeface="Arial" panose="020B0604020202020204" pitchFamily="34" charset="0"/>
-              <a:buChar char="•"/>
-              <a:defRPr sz="1800" kern="1200">
-                <a:solidFill>
-                  <a:schemeClr val="tx1"/>
-                </a:solidFill>
-                <a:latin typeface="+mn-lt"/>
-                <a:ea typeface="+mn-ea"/>
-                <a:cs typeface="+mn-cs"/>
-              </a:defRPr>
-            </a:lvl3pPr>
-            <a:lvl4pPr marL="1600200" indent="-228600" algn="l" defTabSz="914400" rtl="0" eaLnBrk="1" latinLnBrk="0" hangingPunct="1">
-              <a:lnSpc>
-                <a:spcPct val="120000"/>
-              </a:lnSpc>
-              <a:spcBef>
-                <a:spcPts val="500"/>
-              </a:spcBef>
-              <a:buSzPct val="125000"/>
-              <a:buFont typeface="Arial" panose="020B0604020202020204" pitchFamily="34" charset="0"/>
-              <a:buChar char="•"/>
-              <a:defRPr sz="1600" kern="1200">
-                <a:solidFill>
-                  <a:schemeClr val="tx1"/>
-                </a:solidFill>
-                <a:latin typeface="+mn-lt"/>
-                <a:ea typeface="+mn-ea"/>
-                <a:cs typeface="+mn-cs"/>
-              </a:defRPr>
-            </a:lvl4pPr>
-            <a:lvl5pPr marL="2057400" indent="-228600" algn="l" defTabSz="914400" rtl="0" eaLnBrk="1" latinLnBrk="0" hangingPunct="1">
-              <a:lnSpc>
-                <a:spcPct val="120000"/>
-              </a:lnSpc>
-              <a:spcBef>
-                <a:spcPts val="500"/>
-              </a:spcBef>
-              <a:buSzPct val="125000"/>
-              <a:buFont typeface="Arial" panose="020B0604020202020204" pitchFamily="34" charset="0"/>
-              <a:buChar char="•"/>
-              <a:defRPr sz="1600" kern="1200">
-                <a:solidFill>
-                  <a:schemeClr val="tx1"/>
-                </a:solidFill>
-                <a:latin typeface="+mn-lt"/>
-                <a:ea typeface="+mn-ea"/>
-                <a:cs typeface="+mn-cs"/>
-              </a:defRPr>
-            </a:lvl5pPr>
-            <a:lvl6pPr marL="2514600" indent="-228600" algn="l" defTabSz="914400" rtl="0" eaLnBrk="1" latinLnBrk="0" hangingPunct="1">
-              <a:lnSpc>
-                <a:spcPct val="120000"/>
-              </a:lnSpc>
-              <a:spcBef>
-                <a:spcPts val="500"/>
-              </a:spcBef>
-              <a:buSzPct val="125000"/>
-              <a:buFont typeface="Arial" panose="020B0604020202020204" pitchFamily="34" charset="0"/>
-              <a:buChar char="•"/>
-              <a:defRPr sz="1400" kern="1200">
-                <a:solidFill>
-                  <a:schemeClr val="tx1"/>
-                </a:solidFill>
-                <a:latin typeface="+mn-lt"/>
-                <a:ea typeface="+mn-ea"/>
-                <a:cs typeface="+mn-cs"/>
-              </a:defRPr>
-            </a:lvl6pPr>
-            <a:lvl7pPr marL="2971800" indent="-228600" algn="l" defTabSz="914400" rtl="0" eaLnBrk="1" latinLnBrk="0" hangingPunct="1">
-              <a:lnSpc>
-                <a:spcPct val="120000"/>
-              </a:lnSpc>
-              <a:spcBef>
-                <a:spcPts val="500"/>
-              </a:spcBef>
-              <a:buSzPct val="125000"/>
-              <a:buFont typeface="Arial" panose="020B0604020202020204" pitchFamily="34" charset="0"/>
-              <a:buChar char="•"/>
-              <a:defRPr sz="1400" kern="1200">
-                <a:solidFill>
-                  <a:schemeClr val="tx1"/>
-                </a:solidFill>
-                <a:latin typeface="+mn-lt"/>
-                <a:ea typeface="+mn-ea"/>
-                <a:cs typeface="+mn-cs"/>
-              </a:defRPr>
-            </a:lvl7pPr>
-            <a:lvl8pPr marL="3429000" indent="-228600" algn="l" defTabSz="914400" rtl="0" eaLnBrk="1" latinLnBrk="0" hangingPunct="1">
-              <a:lnSpc>
-                <a:spcPct val="120000"/>
-              </a:lnSpc>
-              <a:spcBef>
-                <a:spcPts val="500"/>
-              </a:spcBef>
-              <a:buSzPct val="125000"/>
-              <a:buFont typeface="Arial" panose="020B0604020202020204" pitchFamily="34" charset="0"/>
-              <a:buChar char="•"/>
-              <a:defRPr sz="1400" kern="1200">
-                <a:solidFill>
-                  <a:schemeClr val="tx1"/>
-                </a:solidFill>
-                <a:latin typeface="+mn-lt"/>
-                <a:ea typeface="+mn-ea"/>
-                <a:cs typeface="+mn-cs"/>
-              </a:defRPr>
-            </a:lvl8pPr>
-            <a:lvl9pPr marL="3886200" indent="-228600" algn="l" defTabSz="914400" rtl="0" eaLnBrk="1" latinLnBrk="0" hangingPunct="1">
-              <a:lnSpc>
-                <a:spcPct val="120000"/>
-              </a:lnSpc>
-              <a:spcBef>
-                <a:spcPts val="500"/>
-              </a:spcBef>
-              <a:buSzPct val="125000"/>
-              <a:buFont typeface="Arial" panose="020B0604020202020204" pitchFamily="34" charset="0"/>
-              <a:buChar char="•"/>
-              <a:defRPr sz="1400" kern="1200">
-                <a:solidFill>
-                  <a:schemeClr val="tx1"/>
-                </a:solidFill>
-                <a:latin typeface="+mn-lt"/>
-                <a:ea typeface="+mn-ea"/>
-                <a:cs typeface="+mn-cs"/>
-              </a:defRPr>
-            </a:lvl9pPr>
-          </a:lstStyle>
-          <a:p>
-            <a:pPr marL="0" indent="0" algn="ctr">
-              <a:buNone/>
-            </a:pPr>
-            <a:r>
-              <a:rPr lang="th-TH" sz="4000" b="1" dirty="0">
-                <a:ln>
-                  <a:solidFill>
-                    <a:schemeClr val="bg1"/>
-                  </a:solidFill>
-                </a:ln>
-                <a:solidFill>
-                  <a:schemeClr val="bg1"/>
-                </a:solidFill>
-                <a:effectLst>
-                  <a:glow rad="63500">
-                    <a:srgbClr val="002060">
-                      <a:alpha val="40000"/>
-                    </a:srgbClr>
-                  </a:glow>
-                  <a:outerShdw blurRad="38100" dist="38100" dir="2700000" algn="tl">
-                    <a:srgbClr val="000000">
-                      <a:alpha val="43137"/>
-                    </a:srgbClr>
-                  </a:outerShdw>
-                </a:effectLst>
-                <a:cs typeface="+mj-cs"/>
-              </a:rPr>
-              <a:t>ข้อมูลทั่วไปและข้อมูลสาธารณสุข</a:t>
-            </a:r>
-            <a:endParaRPr lang="en-US" sz="4000" b="1" dirty="0">
-              <a:ln>
-                <a:solidFill>
-                  <a:schemeClr val="bg1"/>
-                </a:solidFill>
-              </a:ln>
-              <a:solidFill>
-                <a:schemeClr val="bg1"/>
-              </a:solidFill>
-              <a:effectLst>
-                <a:glow rad="63500">
-                  <a:srgbClr val="002060">
-                    <a:alpha val="40000"/>
-                  </a:srgbClr>
-                </a:glow>
-                <a:outerShdw blurRad="38100" dist="38100" dir="2700000" algn="tl">
-                  <a:srgbClr val="000000">
-                    <a:alpha val="43137"/>
-                  </a:srgbClr>
-                </a:outerShdw>
-              </a:effectLst>
-              <a:cs typeface="+mj-cs"/>
-            </a:endParaRPr>
-          </a:p>
-        </p:txBody>
-      </p:sp>
-      <p:pic>
-        <p:nvPicPr>
-          <p:cNvPr id="5" name="Picture 4">
-            <a:extLst>
-              <a:ext uri="{FF2B5EF4-FFF2-40B4-BE49-F238E27FC236}">
-                <a16:creationId xmlns:a16="http://schemas.microsoft.com/office/drawing/2014/main" id="{F8B25FB0-22F1-4091-9974-0C523195351B}"/>
-              </a:ext>
-            </a:extLst>
-          </p:cNvPr>
-          <p:cNvPicPr>
-            <a:picLocks noChangeAspect="1"/>
-          </p:cNvPicPr>
-          <p:nvPr/>
-        </p:nvPicPr>
-        <p:blipFill>
-          <a:blip r:embed="rId3"/>
-          <a:stretch>
-            <a:fillRect/>
-          </a:stretch>
-        </p:blipFill>
-        <p:spPr>
-          <a:xfrm>
-            <a:off x="11077157" y="61971"/>
-            <a:ext cx="1010943" cy="1010943"/>
-          </a:xfrm>
-          <a:prstGeom prst="rect">
-            <a:avLst/>
-          </a:prstGeom>
-        </p:spPr>
-      </p:pic>
       <p:sp>
         <p:nvSpPr>
           <p:cNvPr id="31" name="TextBox 30">
@@ -11058,7 +12495,7 @@
         </p:nvSpPr>
         <p:spPr>
           <a:xfrm>
-            <a:off x="9301839" y="2912014"/>
+            <a:off x="8664275" y="3193832"/>
             <a:ext cx="1018227" cy="307777"/>
           </a:xfrm>
           <a:prstGeom prst="rect">
@@ -11078,7 +12515,7 @@
           <a:p>
             <a:pPr algn="ctr"/>
             <a:r>
-              <a:rPr lang="th-TH" sz="1400" b="1" dirty="0">
+              <a:rPr lang="th-TH" sz="1400" dirty="0">
                 <a:ln w="10160">
                   <a:solidFill>
                     <a:srgbClr val="0070C0"/>
@@ -11094,7 +12531,7 @@
               </a:rPr>
               <a:t>เมือง 149,768 คน</a:t>
             </a:r>
-            <a:endParaRPr lang="en-US" sz="1400" b="1" dirty="0">
+            <a:endParaRPr lang="en-US" sz="1400" dirty="0">
               <a:ln w="10160">
                 <a:solidFill>
                   <a:srgbClr val="0070C0"/>
@@ -11125,7 +12562,7 @@
         </p:nvSpPr>
         <p:spPr>
           <a:xfrm>
-            <a:off x="9199307" y="3681592"/>
+            <a:off x="8561743" y="3963410"/>
             <a:ext cx="862737" cy="307777"/>
           </a:xfrm>
           <a:prstGeom prst="rect">
@@ -11145,7 +12582,7 @@
           <a:p>
             <a:pPr algn="ctr"/>
             <a:r>
-              <a:rPr lang="th-TH" sz="1400" b="1" dirty="0">
+              <a:rPr lang="th-TH" sz="1400" dirty="0">
                 <a:ln w="10160">
                   <a:solidFill>
                     <a:srgbClr val="0070C0"/>
@@ -11161,7 +12598,7 @@
               </a:rPr>
               <a:t>สวี 73,123 คน</a:t>
             </a:r>
-            <a:endParaRPr lang="en-US" sz="1400" b="1" dirty="0">
+            <a:endParaRPr lang="en-US" sz="1400" dirty="0">
               <a:ln w="10160">
                 <a:solidFill>
                   <a:srgbClr val="0070C0"/>
@@ -11192,8 +12629,8 @@
         </p:nvSpPr>
         <p:spPr>
           <a:xfrm>
-            <a:off x="9243029" y="4244259"/>
-            <a:ext cx="1112805" cy="307777"/>
+            <a:off x="8598251" y="4526077"/>
+            <a:ext cx="1127233" cy="307777"/>
           </a:xfrm>
           <a:prstGeom prst="rect">
             <a:avLst/>
@@ -11212,7 +12649,7 @@
           <a:p>
             <a:pPr algn="ctr"/>
             <a:r>
-              <a:rPr lang="th-TH" sz="1400" b="1" dirty="0">
+              <a:rPr lang="th-TH" sz="1400" dirty="0">
                 <a:ln w="10160">
                   <a:solidFill>
                     <a:srgbClr val="0070C0"/>
@@ -11228,7 +12665,7 @@
               </a:rPr>
               <a:t>ทุ่งตะโก 25,434 คน</a:t>
             </a:r>
-            <a:endParaRPr lang="en-US" sz="1400" b="1" dirty="0">
+            <a:endParaRPr lang="en-US" sz="1400" dirty="0">
               <a:ln w="10160">
                 <a:solidFill>
                   <a:srgbClr val="0070C0"/>
@@ -11259,7 +12696,7 @@
         </p:nvSpPr>
         <p:spPr>
           <a:xfrm>
-            <a:off x="9351691" y="4808352"/>
+            <a:off x="8714127" y="5090170"/>
             <a:ext cx="1156087" cy="307777"/>
           </a:xfrm>
           <a:prstGeom prst="rect">
@@ -11279,7 +12716,7 @@
           <a:p>
             <a:pPr algn="ctr"/>
             <a:r>
-              <a:rPr lang="th-TH" sz="1400" b="1" dirty="0">
+              <a:rPr lang="th-TH" sz="1400" dirty="0">
                 <a:ln w="10160">
                   <a:solidFill>
                     <a:srgbClr val="0070C0"/>
@@ -11295,7 +12732,7 @@
               </a:rPr>
               <a:t>หลังสวน 76,642 คน</a:t>
             </a:r>
-            <a:endParaRPr lang="en-US" sz="1400" b="1" dirty="0">
+            <a:endParaRPr lang="en-US" sz="1400" dirty="0">
               <a:ln w="10160">
                 <a:solidFill>
                   <a:srgbClr val="0070C0"/>
@@ -11326,7 +12763,7 @@
         </p:nvSpPr>
         <p:spPr>
           <a:xfrm>
-            <a:off x="9171241" y="5512155"/>
+            <a:off x="8533677" y="5793973"/>
             <a:ext cx="997389" cy="307777"/>
           </a:xfrm>
           <a:prstGeom prst="rect">
@@ -11346,7 +12783,7 @@
           <a:p>
             <a:pPr algn="ctr"/>
             <a:r>
-              <a:rPr lang="th-TH" sz="1400" b="1" dirty="0">
+              <a:rPr lang="th-TH" sz="1400" dirty="0">
                 <a:ln w="10160">
                   <a:solidFill>
                     <a:srgbClr val="0070C0"/>
@@ -11362,7 +12799,7 @@
               </a:rPr>
               <a:t>ละแม 29,576 คน</a:t>
             </a:r>
-            <a:endParaRPr lang="en-US" sz="1400" b="1" dirty="0">
+            <a:endParaRPr lang="en-US" sz="1400" dirty="0">
               <a:ln w="10160">
                 <a:solidFill>
                   <a:srgbClr val="0070C0"/>
@@ -11393,8 +12830,8 @@
         </p:nvSpPr>
         <p:spPr>
           <a:xfrm>
-            <a:off x="8299378" y="5229999"/>
-            <a:ext cx="1056701" cy="307777"/>
+            <a:off x="7656204" y="5511817"/>
+            <a:ext cx="1067921" cy="307777"/>
           </a:xfrm>
           <a:prstGeom prst="rect">
             <a:avLst/>
@@ -11413,7 +12850,7 @@
           <a:p>
             <a:pPr algn="ctr"/>
             <a:r>
-              <a:rPr lang="th-TH" sz="1400" b="1" dirty="0">
+              <a:rPr lang="th-TH" sz="1400" dirty="0">
                 <a:ln w="10160">
                   <a:solidFill>
                     <a:srgbClr val="0070C0"/>
@@ -11429,7 +12866,7 @@
               </a:rPr>
               <a:t>พะโต๊ะ 24,291 คน</a:t>
             </a:r>
-            <a:endParaRPr lang="en-US" sz="1400" b="1" dirty="0">
+            <a:endParaRPr lang="en-US" sz="1400" dirty="0">
               <a:ln w="10160">
                 <a:solidFill>
                   <a:srgbClr val="0070C0"/>
@@ -11448,10 +12885,10 @@
       </p:sp>
       <p:sp>
         <p:nvSpPr>
-          <p:cNvPr id="42" name="TextBox 41">
+          <p:cNvPr id="37" name="TextBox 36">
             <a:extLst>
               <a:ext uri="{FF2B5EF4-FFF2-40B4-BE49-F238E27FC236}">
-                <a16:creationId xmlns:a16="http://schemas.microsoft.com/office/drawing/2014/main" id="{2CB8E158-4ECC-43C6-B3F5-BB76B6E3916E}"/>
+                <a16:creationId xmlns:a16="http://schemas.microsoft.com/office/drawing/2014/main" id="{9E227950-9372-40A9-A278-3D530D7ADF53}"/>
               </a:ext>
             </a:extLst>
           </p:cNvPr>
@@ -11460,16 +12897,146 @@
         </p:nvSpPr>
         <p:spPr>
           <a:xfrm>
-            <a:off x="8155140" y="2678991"/>
+            <a:off x="7399134" y="2977383"/>
             <a:ext cx="763349" cy="923330"/>
+          </a:xfrm>
+          <a:prstGeom prst="rect">
+            <a:avLst/>
+          </a:prstGeom>
+          <a:noFill/>
+        </p:spPr>
+        <p:txBody>
+          <a:bodyPr wrap="none" rtlCol="0">
+            <a:spAutoFit/>
+          </a:bodyPr>
+          <a:lstStyle/>
+          <a:p>
+            <a:pPr algn="ctr"/>
+            <a:r>
+              <a:rPr lang="th-TH" b="1" dirty="0">
+                <a:ln w="10160">
+                  <a:solidFill>
+                    <a:srgbClr val="0070C0"/>
+                  </a:solidFill>
+                  <a:prstDash val="solid"/>
+                </a:ln>
+                <a:solidFill>
+                  <a:srgbClr val="002060"/>
+                </a:solidFill>
+                <a:effectLst/>
+                <a:latin typeface="Angsana New" panose="02020603050405020304" pitchFamily="18" charset="-34"/>
+                <a:cs typeface="Angsana New" panose="02020603050405020304" pitchFamily="18" charset="-34"/>
+              </a:rPr>
+              <a:t>ระนอง</a:t>
+            </a:r>
+            <a:endParaRPr lang="en-US" b="1" dirty="0">
+              <a:ln w="10160">
+                <a:solidFill>
+                  <a:srgbClr val="0070C0"/>
+                </a:solidFill>
+                <a:prstDash val="solid"/>
+              </a:ln>
+              <a:solidFill>
+                <a:srgbClr val="002060"/>
+              </a:solidFill>
+              <a:effectLst/>
+              <a:latin typeface="Angsana New" panose="02020603050405020304" pitchFamily="18" charset="-34"/>
+              <a:cs typeface="Angsana New" panose="02020603050405020304" pitchFamily="18" charset="-34"/>
+            </a:endParaRPr>
+          </a:p>
+          <a:p>
+            <a:pPr algn="ctr"/>
+            <a:r>
+              <a:rPr lang="th-TH" b="1" dirty="0">
+                <a:ln w="10160">
+                  <a:solidFill>
+                    <a:srgbClr val="0070C0"/>
+                  </a:solidFill>
+                  <a:prstDash val="solid"/>
+                </a:ln>
+                <a:solidFill>
+                  <a:srgbClr val="002060"/>
+                </a:solidFill>
+                <a:effectLst/>
+                <a:latin typeface="Angsana New" panose="02020603050405020304" pitchFamily="18" charset="-34"/>
+                <a:cs typeface="Angsana New" panose="02020603050405020304" pitchFamily="18" charset="-34"/>
+              </a:rPr>
+              <a:t>และ</a:t>
+            </a:r>
+            <a:endParaRPr lang="en-US" b="1" dirty="0">
+              <a:ln w="10160">
+                <a:solidFill>
+                  <a:srgbClr val="0070C0"/>
+                </a:solidFill>
+                <a:prstDash val="solid"/>
+              </a:ln>
+              <a:solidFill>
+                <a:srgbClr val="002060"/>
+              </a:solidFill>
+              <a:effectLst/>
+              <a:latin typeface="Angsana New" panose="02020603050405020304" pitchFamily="18" charset="-34"/>
+              <a:cs typeface="Angsana New" panose="02020603050405020304" pitchFamily="18" charset="-34"/>
+            </a:endParaRPr>
+          </a:p>
+          <a:p>
+            <a:pPr algn="ctr"/>
+            <a:r>
+              <a:rPr lang="th-TH" b="1" dirty="0">
+                <a:ln w="10160">
+                  <a:solidFill>
+                    <a:srgbClr val="0070C0"/>
+                  </a:solidFill>
+                  <a:prstDash val="solid"/>
+                </a:ln>
+                <a:solidFill>
+                  <a:srgbClr val="002060"/>
+                </a:solidFill>
+                <a:effectLst/>
+                <a:latin typeface="Angsana New" panose="02020603050405020304" pitchFamily="18" charset="-34"/>
+                <a:cs typeface="Angsana New" panose="02020603050405020304" pitchFamily="18" charset="-34"/>
+              </a:rPr>
+              <a:t>เมียนมาร์</a:t>
+            </a:r>
+            <a:endParaRPr lang="en-US" b="1" dirty="0">
+              <a:ln w="10160">
+                <a:solidFill>
+                  <a:srgbClr val="0070C0"/>
+                </a:solidFill>
+                <a:prstDash val="solid"/>
+              </a:ln>
+              <a:solidFill>
+                <a:srgbClr val="002060"/>
+              </a:solidFill>
+              <a:effectLst/>
+              <a:latin typeface="Angsana New" panose="02020603050405020304" pitchFamily="18" charset="-34"/>
+              <a:cs typeface="Angsana New" panose="02020603050405020304" pitchFamily="18" charset="-34"/>
+            </a:endParaRPr>
+          </a:p>
+        </p:txBody>
+      </p:sp>
+      <p:sp>
+        <p:nvSpPr>
+          <p:cNvPr id="38" name="TextBox 37">
+            <a:extLst>
+              <a:ext uri="{FF2B5EF4-FFF2-40B4-BE49-F238E27FC236}">
+                <a16:creationId xmlns:a16="http://schemas.microsoft.com/office/drawing/2014/main" id="{5E1B59A0-D59F-431D-B19B-C90C2B72E2DD}"/>
+              </a:ext>
+            </a:extLst>
+          </p:cNvPr>
+          <p:cNvSpPr txBox="1"/>
+          <p:nvPr/>
+        </p:nvSpPr>
+        <p:spPr>
+          <a:xfrm>
+            <a:off x="10228183" y="3694040"/>
+            <a:ext cx="676788" cy="369332"/>
           </a:xfrm>
           <a:prstGeom prst="rect">
             <a:avLst/>
           </a:prstGeom>
           <a:solidFill>
             <a:schemeClr val="bg1">
-              <a:lumMod val="95000"/>
-              <a:alpha val="50000"/>
+              <a:alpha val="70000"/>
             </a:schemeClr>
           </a:solidFill>
         </p:spPr>
@@ -11481,95 +13048,33 @@
           <a:p>
             <a:pPr algn="ctr"/>
             <a:r>
-              <a:rPr lang="th-TH" dirty="0">
+              <a:rPr lang="th-TH" b="1" dirty="0">
                 <a:ln w="10160">
                   <a:solidFill>
-                    <a:srgbClr val="FF0000"/>
+                    <a:srgbClr val="0070C0"/>
                   </a:solidFill>
                   <a:prstDash val="solid"/>
                 </a:ln>
                 <a:solidFill>
-                  <a:schemeClr val="bg1"/>
+                  <a:srgbClr val="002060"/>
                 </a:solidFill>
+                <a:effectLst/>
                 <a:latin typeface="Angsana New" panose="02020603050405020304" pitchFamily="18" charset="-34"/>
                 <a:cs typeface="Angsana New" panose="02020603050405020304" pitchFamily="18" charset="-34"/>
               </a:rPr>
-              <a:t>ระนอง</a:t>
+              <a:t>อ่าวไทย</a:t>
             </a:r>
-            <a:endParaRPr lang="en-US" dirty="0">
+            <a:endParaRPr lang="en-US" b="1" dirty="0">
               <a:ln w="10160">
                 <a:solidFill>
-                  <a:srgbClr val="FF0000"/>
+                  <a:srgbClr val="0070C0"/>
                 </a:solidFill>
                 <a:prstDash val="solid"/>
               </a:ln>
               <a:solidFill>
-                <a:schemeClr val="bg1"/>
+                <a:srgbClr val="002060"/>
               </a:solidFill>
-              <a:latin typeface="Angsana New" panose="02020603050405020304" pitchFamily="18" charset="-34"/>
-              <a:cs typeface="Angsana New" panose="02020603050405020304" pitchFamily="18" charset="-34"/>
-            </a:endParaRPr>
-          </a:p>
-          <a:p>
-            <a:pPr algn="ctr"/>
-            <a:r>
-              <a:rPr lang="th-TH" dirty="0">
-                <a:ln w="10160">
-                  <a:solidFill>
-                    <a:srgbClr val="FF0000"/>
-                  </a:solidFill>
-                  <a:prstDash val="solid"/>
-                </a:ln>
-                <a:solidFill>
-                  <a:schemeClr val="bg1"/>
-                </a:solidFill>
-                <a:latin typeface="Angsana New" panose="02020603050405020304" pitchFamily="18" charset="-34"/>
-                <a:cs typeface="Angsana New" panose="02020603050405020304" pitchFamily="18" charset="-34"/>
-              </a:rPr>
-              <a:t>และ</a:t>
-            </a:r>
-            <a:endParaRPr lang="en-US" dirty="0">
-              <a:ln w="10160">
-                <a:solidFill>
-                  <a:srgbClr val="FF0000"/>
-                </a:solidFill>
-                <a:prstDash val="solid"/>
-              </a:ln>
-              <a:solidFill>
-                <a:schemeClr val="bg1"/>
-              </a:solidFill>
-              <a:latin typeface="Angsana New" panose="02020603050405020304" pitchFamily="18" charset="-34"/>
-              <a:cs typeface="Angsana New" panose="02020603050405020304" pitchFamily="18" charset="-34"/>
-            </a:endParaRPr>
-          </a:p>
-          <a:p>
-            <a:pPr algn="ctr"/>
-            <a:r>
-              <a:rPr lang="th-TH" dirty="0">
-                <a:ln w="10160">
-                  <a:solidFill>
-                    <a:srgbClr val="FF0000"/>
-                  </a:solidFill>
-                  <a:prstDash val="solid"/>
-                </a:ln>
-                <a:solidFill>
-                  <a:schemeClr val="bg1"/>
-                </a:solidFill>
-                <a:latin typeface="Angsana New" panose="02020603050405020304" pitchFamily="18" charset="-34"/>
-                <a:cs typeface="Angsana New" panose="02020603050405020304" pitchFamily="18" charset="-34"/>
-              </a:rPr>
-              <a:t>เมียนมาร์</a:t>
-            </a:r>
-            <a:endParaRPr lang="en-US" dirty="0">
-              <a:ln w="10160">
-                <a:solidFill>
-                  <a:srgbClr val="FF0000"/>
-                </a:solidFill>
-                <a:prstDash val="solid"/>
-              </a:ln>
-              <a:solidFill>
-                <a:schemeClr val="bg1"/>
-              </a:solidFill>
+              <a:effectLst/>
               <a:latin typeface="Angsana New" panose="02020603050405020304" pitchFamily="18" charset="-34"/>
               <a:cs typeface="Angsana New" panose="02020603050405020304" pitchFamily="18" charset="-34"/>
             </a:endParaRPr>
@@ -11578,10 +13083,10 @@
       </p:sp>
       <p:sp>
         <p:nvSpPr>
-          <p:cNvPr id="43" name="TextBox 42">
+          <p:cNvPr id="39" name="TextBox 38">
             <a:extLst>
               <a:ext uri="{FF2B5EF4-FFF2-40B4-BE49-F238E27FC236}">
-                <a16:creationId xmlns:a16="http://schemas.microsoft.com/office/drawing/2014/main" id="{C53B26E7-7D2A-48EF-A5B7-B182A8030EC0}"/>
+                <a16:creationId xmlns:a16="http://schemas.microsoft.com/office/drawing/2014/main" id="{6A1F872E-8975-4F4D-9584-BB11F99EDC0F}"/>
               </a:ext>
             </a:extLst>
           </p:cNvPr>
@@ -11590,17 +13095,13 @@
         </p:nvSpPr>
         <p:spPr>
           <a:xfrm>
-            <a:off x="10848528" y="3429000"/>
-            <a:ext cx="686406" cy="369332"/>
+            <a:off x="8351653" y="6227013"/>
+            <a:ext cx="971741" cy="369332"/>
           </a:xfrm>
           <a:prstGeom prst="rect">
             <a:avLst/>
           </a:prstGeom>
-          <a:solidFill>
-            <a:schemeClr val="bg1">
-              <a:alpha val="50000"/>
-            </a:schemeClr>
-          </a:solidFill>
+          <a:noFill/>
         </p:spPr>
         <p:txBody>
           <a:bodyPr wrap="none" rtlCol="0">
@@ -11610,31 +13111,33 @@
           <a:p>
             <a:pPr algn="ctr"/>
             <a:r>
-              <a:rPr lang="th-TH" dirty="0">
+              <a:rPr lang="th-TH" b="1" dirty="0">
                 <a:ln w="10160">
                   <a:solidFill>
-                    <a:srgbClr val="FF0000"/>
+                    <a:srgbClr val="0070C0"/>
                   </a:solidFill>
                   <a:prstDash val="solid"/>
                 </a:ln>
                 <a:solidFill>
-                  <a:schemeClr val="bg1"/>
+                  <a:srgbClr val="002060"/>
                 </a:solidFill>
+                <a:effectLst/>
                 <a:latin typeface="Angsana New" panose="02020603050405020304" pitchFamily="18" charset="-34"/>
                 <a:cs typeface="Angsana New" panose="02020603050405020304" pitchFamily="18" charset="-34"/>
               </a:rPr>
-              <a:t>อ่าวไทย</a:t>
+              <a:t>สุราษฎร์ธานี</a:t>
             </a:r>
-            <a:endParaRPr lang="en-US" dirty="0">
+            <a:endParaRPr lang="en-US" b="1" dirty="0">
               <a:ln w="10160">
                 <a:solidFill>
-                  <a:srgbClr val="FF0000"/>
+                  <a:srgbClr val="0070C0"/>
                 </a:solidFill>
                 <a:prstDash val="solid"/>
               </a:ln>
               <a:solidFill>
-                <a:schemeClr val="bg1"/>
+                <a:srgbClr val="002060"/>
               </a:solidFill>
+              <a:effectLst/>
               <a:latin typeface="Angsana New" panose="02020603050405020304" pitchFamily="18" charset="-34"/>
               <a:cs typeface="Angsana New" panose="02020603050405020304" pitchFamily="18" charset="-34"/>
             </a:endParaRPr>
@@ -11643,10 +13146,10 @@
       </p:sp>
       <p:sp>
         <p:nvSpPr>
-          <p:cNvPr id="44" name="TextBox 43">
+          <p:cNvPr id="40" name="TextBox 39">
             <a:extLst>
               <a:ext uri="{FF2B5EF4-FFF2-40B4-BE49-F238E27FC236}">
-                <a16:creationId xmlns:a16="http://schemas.microsoft.com/office/drawing/2014/main" id="{BF658A67-48E9-4843-9F1A-C89B0AEFC7A0}"/>
+                <a16:creationId xmlns:a16="http://schemas.microsoft.com/office/drawing/2014/main" id="{AC89395F-4F32-40B0-B660-5BDFF5558861}"/>
               </a:ext>
             </a:extLst>
           </p:cNvPr>
@@ -11655,18 +13158,13 @@
         </p:nvSpPr>
         <p:spPr>
           <a:xfrm>
-            <a:off x="8976807" y="5968326"/>
-            <a:ext cx="971741" cy="369332"/>
+            <a:off x="9321641" y="1067472"/>
+            <a:ext cx="1184940" cy="369332"/>
           </a:xfrm>
           <a:prstGeom prst="rect">
             <a:avLst/>
           </a:prstGeom>
-          <a:solidFill>
-            <a:schemeClr val="bg1">
-              <a:lumMod val="95000"/>
-              <a:alpha val="50000"/>
-            </a:schemeClr>
-          </a:solidFill>
+          <a:noFill/>
         </p:spPr>
         <p:txBody>
           <a:bodyPr wrap="none" rtlCol="0">
@@ -11676,31 +13174,31 @@
           <a:p>
             <a:pPr algn="ctr"/>
             <a:r>
-              <a:rPr lang="th-TH" dirty="0">
+              <a:rPr lang="th-TH" b="1" dirty="0">
                 <a:ln w="10160">
                   <a:solidFill>
-                    <a:srgbClr val="FF0000"/>
+                    <a:srgbClr val="0070C0"/>
                   </a:solidFill>
                   <a:prstDash val="solid"/>
                 </a:ln>
                 <a:solidFill>
-                  <a:schemeClr val="bg1"/>
+                  <a:srgbClr val="002060"/>
                 </a:solidFill>
                 <a:effectLst/>
                 <a:latin typeface="Angsana New" panose="02020603050405020304" pitchFamily="18" charset="-34"/>
                 <a:cs typeface="Angsana New" panose="02020603050405020304" pitchFamily="18" charset="-34"/>
               </a:rPr>
-              <a:t>สุราษฎร์ธานี</a:t>
+              <a:t>ประจวบคีรีขันธ์</a:t>
             </a:r>
-            <a:endParaRPr lang="en-US" dirty="0">
+            <a:endParaRPr lang="en-US" b="1" dirty="0">
               <a:ln w="10160">
                 <a:solidFill>
-                  <a:srgbClr val="FF0000"/>
+                  <a:srgbClr val="0070C0"/>
                 </a:solidFill>
                 <a:prstDash val="solid"/>
               </a:ln>
               <a:solidFill>
-                <a:schemeClr val="bg1"/>
+                <a:srgbClr val="002060"/>
               </a:solidFill>
               <a:effectLst/>
               <a:latin typeface="Angsana New" panose="02020603050405020304" pitchFamily="18" charset="-34"/>
@@ -11711,10 +13209,10 @@
       </p:sp>
       <p:sp>
         <p:nvSpPr>
-          <p:cNvPr id="46" name="สี่เหลี่ยมผืนผ้า 8">
+          <p:cNvPr id="43" name="สี่เหลี่ยมผืนผ้า 8">
             <a:extLst>
               <a:ext uri="{FF2B5EF4-FFF2-40B4-BE49-F238E27FC236}">
-                <a16:creationId xmlns:a16="http://schemas.microsoft.com/office/drawing/2014/main" id="{C04C02C3-0FF7-4CC0-A2E7-DB6A8C21D16F}"/>
+                <a16:creationId xmlns:a16="http://schemas.microsoft.com/office/drawing/2014/main" id="{03F3B836-B60E-4164-9EC7-A2501A3DBED6}"/>
               </a:ext>
             </a:extLst>
           </p:cNvPr>
@@ -11723,69 +13221,13 @@
         </p:nvSpPr>
         <p:spPr>
           <a:xfrm>
-            <a:off x="9948548" y="812858"/>
-            <a:ext cx="1237763" cy="369332"/>
+            <a:off x="1441018" y="1350490"/>
+            <a:ext cx="5897179" cy="2492990"/>
           </a:xfrm>
           <a:prstGeom prst="rect">
             <a:avLst/>
           </a:prstGeom>
-          <a:solidFill>
-            <a:schemeClr val="bg1">
-              <a:alpha val="50000"/>
-            </a:schemeClr>
-          </a:solidFill>
-        </p:spPr>
-        <p:txBody>
-          <a:bodyPr wrap="square">
-            <a:spAutoFit/>
-          </a:bodyPr>
-          <a:lstStyle/>
-          <a:p>
-            <a:pPr algn="ctr"/>
-            <a:r>
-              <a:rPr lang="th-TH" dirty="0">
-                <a:ln>
-                  <a:solidFill>
-                    <a:srgbClr val="FF0000"/>
-                  </a:solidFill>
-                </a:ln>
-                <a:solidFill>
-                  <a:schemeClr val="bg1"/>
-                </a:solidFill>
-                <a:latin typeface="Angsana New" panose="02020603050405020304" pitchFamily="18" charset="-34"/>
-                <a:cs typeface="Angsana New" panose="02020603050405020304" pitchFamily="18" charset="-34"/>
-              </a:rPr>
-              <a:t>ประจวบคีรีขันธ์</a:t>
-            </a:r>
-          </a:p>
-        </p:txBody>
-      </p:sp>
-      <p:sp>
-        <p:nvSpPr>
-          <p:cNvPr id="47" name="สี่เหลี่ยมผืนผ้า 8">
-            <a:extLst>
-              <a:ext uri="{FF2B5EF4-FFF2-40B4-BE49-F238E27FC236}">
-                <a16:creationId xmlns:a16="http://schemas.microsoft.com/office/drawing/2014/main" id="{99A595A4-EEB8-429D-B0B0-9D4AA41C99BF}"/>
-              </a:ext>
-            </a:extLst>
-          </p:cNvPr>
-          <p:cNvSpPr/>
-          <p:nvPr/>
-        </p:nvSpPr>
-        <p:spPr>
-          <a:xfrm>
-            <a:off x="1879528" y="3415846"/>
-            <a:ext cx="6069651" cy="2062103"/>
-          </a:xfrm>
-          <a:prstGeom prst="rect">
-            <a:avLst/>
-          </a:prstGeom>
-          <a:solidFill>
-            <a:schemeClr val="bg1">
-              <a:lumMod val="95000"/>
-              <a:alpha val="40000"/>
-            </a:schemeClr>
-          </a:solidFill>
+          <a:noFill/>
         </p:spPr>
         <p:txBody>
           <a:bodyPr wrap="square">
@@ -11807,12 +13249,103 @@
           </a:bodyPr>
           <a:lstStyle/>
           <a:p>
-            <a:pPr marL="571500" indent="-571500">
-              <a:buFont typeface="Arial" panose="020B0604020202020204" pitchFamily="34" charset="0"/>
-              <a:buChar char="•"/>
-            </a:pPr>
+            <a:pPr algn="ctr"/>
             <a:r>
-              <a:rPr lang="th-TH" sz="3200" b="1" spc="50" dirty="0">
+              <a:rPr lang="th-TH" sz="4800" b="1" spc="50" dirty="0">
+                <a:ln w="11430">
+                  <a:solidFill>
+                    <a:srgbClr val="FF0000"/>
+                  </a:solidFill>
+                </a:ln>
+                <a:solidFill>
+                  <a:srgbClr val="FF0000"/>
+                </a:solidFill>
+                <a:effectLst>
+                  <a:outerShdw blurRad="76200" dist="50800" dir="5400000" algn="tl" rotWithShape="0">
+                    <a:srgbClr val="000000">
+                      <a:alpha val="65000"/>
+                    </a:srgbClr>
+                  </a:outerShdw>
+                </a:effectLst>
+                <a:latin typeface="Angsana New" panose="02020603050405020304" pitchFamily="18" charset="-34"/>
+                <a:cs typeface="Angsana New" panose="02020603050405020304" pitchFamily="18" charset="-34"/>
+              </a:rPr>
+              <a:t>วิสัยทัศน์จังหวัดชุมพร</a:t>
+            </a:r>
+          </a:p>
+          <a:p>
+            <a:pPr algn="ctr"/>
+            <a:endParaRPr lang="en-US" sz="3600" b="1" spc="50" dirty="0">
+              <a:ln w="11430">
+                <a:solidFill>
+                  <a:srgbClr val="FF0000"/>
+                </a:solidFill>
+              </a:ln>
+              <a:solidFill>
+                <a:srgbClr val="FF0000"/>
+              </a:solidFill>
+              <a:effectLst>
+                <a:outerShdw blurRad="76200" dist="50800" dir="5400000" algn="tl" rotWithShape="0">
+                  <a:srgbClr val="000000">
+                    <a:alpha val="65000"/>
+                  </a:srgbClr>
+                </a:outerShdw>
+              </a:effectLst>
+              <a:latin typeface="Angsana New" panose="02020603050405020304" pitchFamily="18" charset="-34"/>
+              <a:cs typeface="Angsana New" panose="02020603050405020304" pitchFamily="18" charset="-34"/>
+            </a:endParaRPr>
+          </a:p>
+          <a:p>
+            <a:pPr algn="ctr"/>
+            <a:r>
+              <a:rPr lang="th-TH" sz="3600" b="1" spc="50" dirty="0">
+                <a:ln w="11430">
+                  <a:solidFill>
+                    <a:srgbClr val="FF0000"/>
+                  </a:solidFill>
+                </a:ln>
+                <a:solidFill>
+                  <a:srgbClr val="FF0000"/>
+                </a:solidFill>
+                <a:effectLst>
+                  <a:outerShdw blurRad="76200" dist="50800" dir="5400000" algn="tl" rotWithShape="0">
+                    <a:srgbClr val="000000">
+                      <a:alpha val="65000"/>
+                    </a:srgbClr>
+                  </a:outerShdw>
+                </a:effectLst>
+                <a:latin typeface="Angsana New" panose="02020603050405020304" pitchFamily="18" charset="-34"/>
+                <a:cs typeface="Angsana New" panose="02020603050405020304" pitchFamily="18" charset="-34"/>
+              </a:rPr>
+              <a:t>“ชุมพรน่าอยู่  ประตูทองสองฝั่งทะเล</a:t>
+            </a:r>
+          </a:p>
+          <a:p>
+            <a:pPr algn="ctr"/>
+            <a:r>
+              <a:rPr lang="th-TH" sz="3600" b="1" spc="50" dirty="0">
+                <a:ln w="11430">
+                  <a:solidFill>
+                    <a:srgbClr val="FF0000"/>
+                  </a:solidFill>
+                </a:ln>
+                <a:solidFill>
+                  <a:srgbClr val="FF0000"/>
+                </a:solidFill>
+                <a:effectLst>
+                  <a:outerShdw blurRad="76200" dist="50800" dir="5400000" algn="tl" rotWithShape="0">
+                    <a:srgbClr val="000000">
+                      <a:alpha val="65000"/>
+                    </a:srgbClr>
+                  </a:outerShdw>
+                </a:effectLst>
+                <a:latin typeface="Angsana New" panose="02020603050405020304" pitchFamily="18" charset="-34"/>
+                <a:cs typeface="Angsana New" panose="02020603050405020304" pitchFamily="18" charset="-34"/>
+              </a:rPr>
+              <a:t>เกษตรกรรมยั่งยืน  การท่องเที่ยวคุณภาพ</a:t>
+            </a:r>
+            <a:r>
+              <a:rPr lang="th-TH" sz="3600" b="1" spc="50" dirty="0">
                 <a:ln w="11430"/>
                 <a:solidFill>
                   <a:srgbClr val="FF0000"/>
@@ -11827,111 +13360,9 @@
                 <a:latin typeface="Angsana New" panose="02020603050405020304" pitchFamily="18" charset="-34"/>
                 <a:cs typeface="Angsana New" panose="02020603050405020304" pitchFamily="18" charset="-34"/>
               </a:rPr>
-              <a:t>พื้นที่ 6,010 ตารางกิโลเมตร</a:t>
+              <a:t>”</a:t>
             </a:r>
-          </a:p>
-          <a:p>
-            <a:pPr marL="571500" indent="-571500">
-              <a:buFont typeface="Arial" panose="020B0604020202020204" pitchFamily="34" charset="0"/>
-              <a:buChar char="•"/>
-            </a:pPr>
-            <a:r>
-              <a:rPr lang="th-TH" sz="3200" b="1" spc="50" dirty="0">
-                <a:ln w="11430"/>
-                <a:solidFill>
-                  <a:srgbClr val="FF0000"/>
-                </a:solidFill>
-                <a:effectLst>
-                  <a:outerShdw blurRad="76200" dist="50800" dir="5400000" algn="tl" rotWithShape="0">
-                    <a:srgbClr val="000000">
-                      <a:alpha val="65000"/>
-                    </a:srgbClr>
-                  </a:outerShdw>
-                </a:effectLst>
-                <a:latin typeface="Angsana New" panose="02020603050405020304" pitchFamily="18" charset="-34"/>
-                <a:cs typeface="Angsana New" panose="02020603050405020304" pitchFamily="18" charset="-34"/>
-              </a:rPr>
-              <a:t>ชายทะเลยาว 220 กม.</a:t>
-            </a:r>
-          </a:p>
-          <a:p>
-            <a:pPr marL="571500" indent="-571500">
-              <a:buFont typeface="Arial" panose="020B0604020202020204" pitchFamily="34" charset="0"/>
-              <a:buChar char="•"/>
-            </a:pPr>
-            <a:r>
-              <a:rPr lang="th-TH" sz="3200" b="1" spc="50" dirty="0">
-                <a:ln w="11430"/>
-                <a:solidFill>
-                  <a:srgbClr val="FF0000"/>
-                </a:solidFill>
-                <a:effectLst>
-                  <a:outerShdw blurRad="76200" dist="50800" dir="5400000" algn="tl" rotWithShape="0">
-                    <a:srgbClr val="000000">
-                      <a:alpha val="65000"/>
-                    </a:srgbClr>
-                  </a:outerShdw>
-                </a:effectLst>
-                <a:latin typeface="Angsana New" panose="02020603050405020304" pitchFamily="18" charset="-34"/>
-                <a:cs typeface="Angsana New" panose="02020603050405020304" pitchFamily="18" charset="-34"/>
-              </a:rPr>
-              <a:t>ประชากร 509,650 คน(</a:t>
-            </a:r>
-            <a:r>
-              <a:rPr lang="en-US" sz="3200" b="1" spc="50" dirty="0">
-                <a:ln w="11430"/>
-                <a:solidFill>
-                  <a:srgbClr val="FF0000"/>
-                </a:solidFill>
-                <a:effectLst>
-                  <a:outerShdw blurRad="76200" dist="50800" dir="5400000" algn="tl" rotWithShape="0">
-                    <a:srgbClr val="000000">
-                      <a:alpha val="65000"/>
-                    </a:srgbClr>
-                  </a:outerShdw>
-                </a:effectLst>
-                <a:latin typeface="Angsana New" panose="02020603050405020304" pitchFamily="18" charset="-34"/>
-                <a:cs typeface="Angsana New" panose="02020603050405020304" pitchFamily="18" charset="-34"/>
-              </a:rPr>
-              <a:t>HDC</a:t>
-            </a:r>
-            <a:r>
-              <a:rPr lang="th-TH" sz="3200" b="1" spc="50" dirty="0">
-                <a:ln w="11430"/>
-                <a:solidFill>
-                  <a:srgbClr val="FF0000"/>
-                </a:solidFill>
-                <a:effectLst>
-                  <a:outerShdw blurRad="76200" dist="50800" dir="5400000" algn="tl" rotWithShape="0">
-                    <a:srgbClr val="000000">
-                      <a:alpha val="65000"/>
-                    </a:srgbClr>
-                  </a:outerShdw>
-                </a:effectLst>
-                <a:latin typeface="Angsana New" panose="02020603050405020304" pitchFamily="18" charset="-34"/>
-                <a:cs typeface="Angsana New" panose="02020603050405020304" pitchFamily="18" charset="-34"/>
-              </a:rPr>
-              <a:t> ธ.ค. 2561</a:t>
-            </a:r>
-            <a:r>
-              <a:rPr lang="en-US" sz="3200" b="1" spc="50" dirty="0">
-                <a:ln w="11430"/>
-                <a:solidFill>
-                  <a:srgbClr val="FF0000"/>
-                </a:solidFill>
-                <a:effectLst>
-                  <a:outerShdw blurRad="76200" dist="50800" dir="5400000" algn="tl" rotWithShape="0">
-                    <a:srgbClr val="000000">
-                      <a:alpha val="65000"/>
-                    </a:srgbClr>
-                  </a:outerShdw>
-                </a:effectLst>
-                <a:latin typeface="Angsana New" panose="02020603050405020304" pitchFamily="18" charset="-34"/>
-                <a:cs typeface="Angsana New" panose="02020603050405020304" pitchFamily="18" charset="-34"/>
-              </a:rPr>
-              <a:t>)</a:t>
-            </a:r>
-            <a:endParaRPr lang="th-TH" sz="3200" b="1" spc="50" dirty="0">
+            <a:endParaRPr lang="en-US" sz="3600" b="1" spc="50" dirty="0">
               <a:ln w="11430"/>
               <a:solidFill>
                 <a:srgbClr val="FF0000"/>
@@ -11947,38 +13378,55 @@
               <a:cs typeface="Angsana New" panose="02020603050405020304" pitchFamily="18" charset="-34"/>
             </a:endParaRPr>
           </a:p>
-          <a:p>
-            <a:pPr marL="571500" indent="-571500">
-              <a:buFont typeface="Arial" panose="020B0604020202020204" pitchFamily="34" charset="0"/>
-              <a:buChar char="•"/>
-            </a:pPr>
+        </p:txBody>
+      </p:sp>
+      <p:sp>
+        <p:nvSpPr>
+          <p:cNvPr id="44" name="Rectangle 43">
+            <a:extLst>
+              <a:ext uri="{FF2B5EF4-FFF2-40B4-BE49-F238E27FC236}">
+                <a16:creationId xmlns:a16="http://schemas.microsoft.com/office/drawing/2014/main" id="{3CCC7232-AC05-464B-9425-91DB18C81395}"/>
+              </a:ext>
+            </a:extLst>
+          </p:cNvPr>
+          <p:cNvSpPr/>
+          <p:nvPr/>
+        </p:nvSpPr>
+        <p:spPr>
+          <a:xfrm>
+            <a:off x="1327578" y="149575"/>
+            <a:ext cx="5240538" cy="769441"/>
+          </a:xfrm>
+          <a:prstGeom prst="rect">
+            <a:avLst/>
+          </a:prstGeom>
+        </p:spPr>
+        <p:txBody>
+          <a:bodyPr wrap="none">
+            <a:spAutoFit/>
+          </a:bodyPr>
+          <a:lstStyle/>
+          <a:p>
+            <a:pPr algn="ctr"/>
             <a:r>
-              <a:rPr lang="th-TH" sz="3200" b="1" spc="50" dirty="0">
-                <a:ln w="11430"/>
-                <a:solidFill>
-                  <a:srgbClr val="FF0000"/>
-                </a:solidFill>
+              <a:rPr lang="th-TH" sz="4400" b="1" dirty="0">
                 <a:effectLst>
-                  <a:outerShdw blurRad="76200" dist="50800" dir="5400000" algn="tl" rotWithShape="0">
+                  <a:outerShdw blurRad="38100" dist="38100" dir="2700000" algn="tl">
                     <a:srgbClr val="000000">
-                      <a:alpha val="65000"/>
+                      <a:alpha val="43137"/>
                     </a:srgbClr>
                   </a:outerShdw>
                 </a:effectLst>
                 <a:latin typeface="Angsana New" panose="02020603050405020304" pitchFamily="18" charset="-34"/>
                 <a:cs typeface="Angsana New" panose="02020603050405020304" pitchFamily="18" charset="-34"/>
               </a:rPr>
-              <a:t>ประกอบด้วย 8 อำเภอ 70 ตำบล 743 ตำบล</a:t>
+              <a:t>ข้อมูลทั่วไปและข้อมูลสาธารณสุข</a:t>
             </a:r>
-            <a:endParaRPr lang="en-US" sz="3200" b="1" spc="50" dirty="0">
-              <a:ln w="11430"/>
-              <a:solidFill>
-                <a:srgbClr val="FF0000"/>
-              </a:solidFill>
+            <a:endParaRPr lang="en-US" sz="4400" b="1" dirty="0">
               <a:effectLst>
-                <a:outerShdw blurRad="76200" dist="50800" dir="5400000" algn="tl" rotWithShape="0">
+                <a:outerShdw blurRad="38100" dist="38100" dir="2700000" algn="tl">
                   <a:srgbClr val="000000">
-                    <a:alpha val="65000"/>
+                    <a:alpha val="43137"/>
                   </a:srgbClr>
                 </a:outerShdw>
               </a:effectLst>
